--- a/프론트엔드기초(PPT)/HTML5 3강_멀티미디어태그.pptx
+++ b/프론트엔드기초(PPT)/HTML5 3강_멀티미디어태그.pptx
@@ -299,7 +299,7 @@
           <a:p>
             <a:fld id="{FB30EDBD-1C2D-4C1E-B459-B60219FAB484}" type="datetimeFigureOut">
               <a:rPr lang="ko-KR" altLang="en-US" smtClean="0"/>
-              <a:t>2020-04-01</a:t>
+              <a:t>2020-09-13</a:t>
             </a:fld>
             <a:endParaRPr lang="ko-KR" altLang="en-US"/>
           </a:p>
@@ -464,7 +464,7 @@
           <a:p>
             <a:fld id="{FB30EDBD-1C2D-4C1E-B459-B60219FAB484}" type="datetimeFigureOut">
               <a:rPr lang="ko-KR" altLang="en-US" smtClean="0"/>
-              <a:t>2020-04-01</a:t>
+              <a:t>2020-09-13</a:t>
             </a:fld>
             <a:endParaRPr lang="ko-KR" altLang="en-US"/>
           </a:p>
@@ -639,7 +639,7 @@
           <a:p>
             <a:fld id="{FB30EDBD-1C2D-4C1E-B459-B60219FAB484}" type="datetimeFigureOut">
               <a:rPr lang="ko-KR" altLang="en-US" smtClean="0"/>
-              <a:t>2020-04-01</a:t>
+              <a:t>2020-09-13</a:t>
             </a:fld>
             <a:endParaRPr lang="ko-KR" altLang="en-US"/>
           </a:p>
@@ -804,7 +804,7 @@
           <a:p>
             <a:fld id="{FB30EDBD-1C2D-4C1E-B459-B60219FAB484}" type="datetimeFigureOut">
               <a:rPr lang="ko-KR" altLang="en-US" smtClean="0"/>
-              <a:t>2020-04-01</a:t>
+              <a:t>2020-09-13</a:t>
             </a:fld>
             <a:endParaRPr lang="ko-KR" altLang="en-US"/>
           </a:p>
@@ -1045,7 +1045,7 @@
           <a:p>
             <a:fld id="{FB30EDBD-1C2D-4C1E-B459-B60219FAB484}" type="datetimeFigureOut">
               <a:rPr lang="ko-KR" altLang="en-US" smtClean="0"/>
-              <a:t>2020-04-01</a:t>
+              <a:t>2020-09-13</a:t>
             </a:fld>
             <a:endParaRPr lang="ko-KR" altLang="en-US"/>
           </a:p>
@@ -1328,7 +1328,7 @@
           <a:p>
             <a:fld id="{FB30EDBD-1C2D-4C1E-B459-B60219FAB484}" type="datetimeFigureOut">
               <a:rPr lang="ko-KR" altLang="en-US" smtClean="0"/>
-              <a:t>2020-04-01</a:t>
+              <a:t>2020-09-13</a:t>
             </a:fld>
             <a:endParaRPr lang="ko-KR" altLang="en-US"/>
           </a:p>
@@ -1745,7 +1745,7 @@
           <a:p>
             <a:fld id="{FB30EDBD-1C2D-4C1E-B459-B60219FAB484}" type="datetimeFigureOut">
               <a:rPr lang="ko-KR" altLang="en-US" smtClean="0"/>
-              <a:t>2020-04-01</a:t>
+              <a:t>2020-09-13</a:t>
             </a:fld>
             <a:endParaRPr lang="ko-KR" altLang="en-US"/>
           </a:p>
@@ -1858,7 +1858,7 @@
           <a:p>
             <a:fld id="{FB30EDBD-1C2D-4C1E-B459-B60219FAB484}" type="datetimeFigureOut">
               <a:rPr lang="ko-KR" altLang="en-US" smtClean="0"/>
-              <a:t>2020-04-01</a:t>
+              <a:t>2020-09-13</a:t>
             </a:fld>
             <a:endParaRPr lang="ko-KR" altLang="en-US"/>
           </a:p>
@@ -1948,7 +1948,7 @@
           <a:p>
             <a:fld id="{FB30EDBD-1C2D-4C1E-B459-B60219FAB484}" type="datetimeFigureOut">
               <a:rPr lang="ko-KR" altLang="en-US" smtClean="0"/>
-              <a:t>2020-04-01</a:t>
+              <a:t>2020-09-13</a:t>
             </a:fld>
             <a:endParaRPr lang="ko-KR" altLang="en-US"/>
           </a:p>
@@ -2220,7 +2220,7 @@
           <a:p>
             <a:fld id="{FB30EDBD-1C2D-4C1E-B459-B60219FAB484}" type="datetimeFigureOut">
               <a:rPr lang="ko-KR" altLang="en-US" smtClean="0"/>
-              <a:t>2020-04-01</a:t>
+              <a:t>2020-09-13</a:t>
             </a:fld>
             <a:endParaRPr lang="ko-KR" altLang="en-US"/>
           </a:p>
@@ -2468,7 +2468,7 @@
           <a:p>
             <a:fld id="{FB30EDBD-1C2D-4C1E-B459-B60219FAB484}" type="datetimeFigureOut">
               <a:rPr lang="ko-KR" altLang="en-US" smtClean="0"/>
-              <a:t>2020-04-01</a:t>
+              <a:t>2020-09-13</a:t>
             </a:fld>
             <a:endParaRPr lang="ko-KR" altLang="en-US"/>
           </a:p>
@@ -2676,7 +2676,7 @@
           <a:p>
             <a:fld id="{FB30EDBD-1C2D-4C1E-B459-B60219FAB484}" type="datetimeFigureOut">
               <a:rPr lang="ko-KR" altLang="en-US" smtClean="0"/>
-              <a:t>2020-04-01</a:t>
+              <a:t>2020-09-13</a:t>
             </a:fld>
             <a:endParaRPr lang="ko-KR" altLang="en-US"/>
           </a:p>
@@ -3032,6 +3032,14 @@
 <file path=ppt/slides/slide1.xml><?xml version="1.0" encoding="utf-8"?>
 <p:sld xmlns:a="http://schemas.openxmlformats.org/drawingml/2006/main" xmlns:r="http://schemas.openxmlformats.org/officeDocument/2006/relationships" xmlns:p="http://schemas.openxmlformats.org/presentationml/2006/main">
   <p:cSld>
+    <p:bg>
+      <p:bgPr>
+        <a:solidFill>
+          <a:schemeClr val="accent5"/>
+        </a:solidFill>
+        <a:effectLst/>
+      </p:bgPr>
+    </p:bg>
     <p:spTree>
       <p:nvGrpSpPr>
         <p:cNvPr id="1" name=""/>
@@ -3066,7 +3074,7 @@
             <a:r>
               <a:rPr lang="en-US" altLang="ko-KR" sz="2800" dirty="0" smtClean="0">
                 <a:solidFill>
-                  <a:schemeClr val="accent5"/>
+                  <a:schemeClr val="bg1"/>
                 </a:solidFill>
                 <a:latin typeface="배달의민족 주아" pitchFamily="18" charset="-127"/>
                 <a:ea typeface="배달의민족 주아" pitchFamily="18" charset="-127"/>
@@ -3076,7 +3084,7 @@
             <a:r>
               <a:rPr lang="ko-KR" altLang="en-US" sz="2800" dirty="0" smtClean="0">
                 <a:solidFill>
-                  <a:schemeClr val="accent5"/>
+                  <a:schemeClr val="bg1"/>
                 </a:solidFill>
                 <a:latin typeface="배달의민족 주아" pitchFamily="18" charset="-127"/>
                 <a:ea typeface="배달의민족 주아" pitchFamily="18" charset="-127"/>
@@ -3086,7 +3094,7 @@
             <a:r>
               <a:rPr lang="en-US" altLang="ko-KR" sz="2800" dirty="0" smtClean="0">
                 <a:solidFill>
-                  <a:schemeClr val="accent5"/>
+                  <a:schemeClr val="bg1"/>
                 </a:solidFill>
                 <a:latin typeface="배달의민족 주아" pitchFamily="18" charset="-127"/>
                 <a:ea typeface="배달의민족 주아" pitchFamily="18" charset="-127"/>
@@ -3096,7 +3104,7 @@
             <a:br>
               <a:rPr lang="en-US" altLang="ko-KR" sz="2800" dirty="0" smtClean="0">
                 <a:solidFill>
-                  <a:schemeClr val="accent5"/>
+                  <a:schemeClr val="bg1"/>
                 </a:solidFill>
                 <a:latin typeface="배달의민족 주아" pitchFamily="18" charset="-127"/>
                 <a:ea typeface="배달의민족 주아" pitchFamily="18" charset="-127"/>
@@ -3248,7 +3256,7 @@
             <a:r>
               <a:rPr lang="en-US" altLang="ko-KR" dirty="0" smtClean="0">
                 <a:solidFill>
-                  <a:schemeClr val="accent5"/>
+                  <a:schemeClr val="bg1"/>
                 </a:solidFill>
                 <a:latin typeface="배달의민족 도현" pitchFamily="50" charset="-127"/>
                 <a:ea typeface="배달의민족 도현" pitchFamily="50" charset="-127"/>
@@ -3265,7 +3273,7 @@
             <a:r>
               <a:rPr lang="en-US" altLang="ko-KR" dirty="0" smtClean="0">
                 <a:solidFill>
-                  <a:schemeClr val="accent5"/>
+                  <a:schemeClr val="bg1"/>
                 </a:solidFill>
                 <a:latin typeface="배달의민족 도현" pitchFamily="50" charset="-127"/>
                 <a:ea typeface="배달의민족 도현" pitchFamily="50" charset="-127"/>
@@ -3426,7 +3434,7 @@
         </p:nvSpPr>
         <p:spPr>
           <a:xfrm>
-            <a:off x="838200" y="3284984"/>
+            <a:off x="838200" y="3501008"/>
             <a:ext cx="7772400" cy="1470025"/>
           </a:xfrm>
           <a:prstGeom prst="rect">
@@ -3472,7 +3480,46 @@
                 <a:latin typeface="배달의민족 주아" pitchFamily="18" charset="-127"/>
                 <a:ea typeface="배달의민족 주아" pitchFamily="18" charset="-127"/>
               </a:rPr>
-              <a:t> 동영상 추가하기 실습</a:t>
+              <a:t> 동영상 </a:t>
+            </a:r>
+            <a:r>
+              <a:rPr lang="ko-KR" altLang="en-US" sz="3600" dirty="0" smtClean="0">
+                <a:solidFill>
+                  <a:schemeClr val="accent5"/>
+                </a:solidFill>
+                <a:latin typeface="배달의민족 주아" pitchFamily="18" charset="-127"/>
+                <a:ea typeface="배달의민족 주아" pitchFamily="18" charset="-127"/>
+              </a:rPr>
+              <a:t>추가하기</a:t>
+            </a:r>
+            <a:endParaRPr lang="en-US" altLang="ko-KR" sz="3600" dirty="0" smtClean="0">
+              <a:solidFill>
+                <a:schemeClr val="accent5"/>
+              </a:solidFill>
+              <a:latin typeface="배달의민족 주아" pitchFamily="18" charset="-127"/>
+              <a:ea typeface="배달의민족 주아" pitchFamily="18" charset="-127"/>
+            </a:endParaRPr>
+          </a:p>
+          <a:p>
+            <a:r>
+              <a:rPr lang="ko-KR" altLang="en-US" sz="3600" dirty="0" err="1" smtClean="0">
+                <a:solidFill>
+                  <a:schemeClr val="accent5"/>
+                </a:solidFill>
+                <a:latin typeface="배달의민족 주아" pitchFamily="18" charset="-127"/>
+                <a:ea typeface="배달의민족 주아" pitchFamily="18" charset="-127"/>
+              </a:rPr>
+              <a:t>구글</a:t>
+            </a:r>
+            <a:r>
+              <a:rPr lang="ko-KR" altLang="en-US" sz="3600" dirty="0" smtClean="0">
+                <a:solidFill>
+                  <a:schemeClr val="accent5"/>
+                </a:solidFill>
+                <a:latin typeface="배달의민족 주아" pitchFamily="18" charset="-127"/>
+                <a:ea typeface="배달의민족 주아" pitchFamily="18" charset="-127"/>
+              </a:rPr>
+              <a:t> 지도 추가하기</a:t>
             </a:r>
             <a:endParaRPr lang="en-US" altLang="ko-KR" sz="3600" dirty="0" smtClean="0">
               <a:solidFill>
@@ -6136,14 +6183,7 @@
                 <a:latin typeface="배달의민족 주아" pitchFamily="18" charset="-127"/>
                 <a:ea typeface="배달의민족 주아" pitchFamily="18" charset="-127"/>
               </a:rPr>
-              <a:t>&gt; </a:t>
-            </a:r>
-            <a:r>
-              <a:rPr lang="en-US" altLang="ko-KR" smtClean="0">
-                <a:latin typeface="배달의민족 주아" pitchFamily="18" charset="-127"/>
-                <a:ea typeface="배달의민족 주아" pitchFamily="18" charset="-127"/>
-              </a:rPr>
-              <a:t>&lt;/video&gt;</a:t>
+              <a:t>&gt; &lt;/video&gt;</a:t>
             </a:r>
             <a:endParaRPr lang="ko-KR" altLang="en-US" dirty="0">
               <a:latin typeface="배달의민족 주아" pitchFamily="18" charset="-127"/>

--- a/프론트엔드기초(PPT)/HTML5 3강_멀티미디어태그.pptx
+++ b/프론트엔드기초(PPT)/HTML5 3강_멀티미디어태그.pptx
@@ -15,8 +15,12 @@
     <p:sldId id="268" r:id="rId9"/>
     <p:sldId id="269" r:id="rId10"/>
     <p:sldId id="259" r:id="rId11"/>
-    <p:sldId id="260" r:id="rId12"/>
-    <p:sldId id="263" r:id="rId13"/>
+    <p:sldId id="270" r:id="rId12"/>
+    <p:sldId id="271" r:id="rId13"/>
+    <p:sldId id="260" r:id="rId14"/>
+    <p:sldId id="272" r:id="rId15"/>
+    <p:sldId id="273" r:id="rId16"/>
+    <p:sldId id="263" r:id="rId17"/>
   </p:sldIdLst>
   <p:sldSz cx="9144000" cy="6858000" type="screen4x3"/>
   <p:notesSz cx="6858000" cy="9144000"/>
@@ -3125,12 +3129,18 @@
             </a:br>
             <a:r>
               <a:rPr lang="ko-KR" altLang="en-US" dirty="0" smtClean="0">
+                <a:solidFill>
+                  <a:schemeClr val="bg1"/>
+                </a:solidFill>
                 <a:latin typeface="배달의민족 주아" pitchFamily="18" charset="-127"/>
                 <a:ea typeface="배달의민족 주아" pitchFamily="18" charset="-127"/>
               </a:rPr>
               <a:t>멀티미디어관련 태그</a:t>
             </a:r>
             <a:endParaRPr lang="ko-KR" altLang="en-US" dirty="0">
+              <a:solidFill>
+                <a:schemeClr val="bg1"/>
+              </a:solidFill>
               <a:latin typeface="배달의민족 주아" pitchFamily="18" charset="-127"/>
               <a:ea typeface="배달의민족 주아" pitchFamily="18" charset="-127"/>
             </a:endParaRPr>
@@ -3480,17 +3490,7 @@
                 <a:latin typeface="배달의민족 주아" pitchFamily="18" charset="-127"/>
                 <a:ea typeface="배달의민족 주아" pitchFamily="18" charset="-127"/>
               </a:rPr>
-              <a:t> 동영상 </a:t>
-            </a:r>
-            <a:r>
-              <a:rPr lang="ko-KR" altLang="en-US" sz="3600" dirty="0" smtClean="0">
-                <a:solidFill>
-                  <a:schemeClr val="accent5"/>
-                </a:solidFill>
-                <a:latin typeface="배달의민족 주아" pitchFamily="18" charset="-127"/>
-                <a:ea typeface="배달의민족 주아" pitchFamily="18" charset="-127"/>
-              </a:rPr>
-              <a:t>추가하기</a:t>
+              <a:t> 동영상 추가하기</a:t>
             </a:r>
             <a:endParaRPr lang="en-US" altLang="ko-KR" sz="3600" dirty="0" smtClean="0">
               <a:solidFill>
@@ -3519,7 +3519,17 @@
                 <a:latin typeface="배달의민족 주아" pitchFamily="18" charset="-127"/>
                 <a:ea typeface="배달의민족 주아" pitchFamily="18" charset="-127"/>
               </a:rPr>
-              <a:t> 지도 추가하기</a:t>
+              <a:t> </a:t>
+            </a:r>
+            <a:r>
+              <a:rPr lang="ko-KR" altLang="en-US" sz="3600" smtClean="0">
+                <a:solidFill>
+                  <a:schemeClr val="accent5"/>
+                </a:solidFill>
+                <a:latin typeface="배달의민족 주아" pitchFamily="18" charset="-127"/>
+                <a:ea typeface="배달의민족 주아" pitchFamily="18" charset="-127"/>
+              </a:rPr>
+              <a:t>지도 추가하기</a:t>
             </a:r>
             <a:endParaRPr lang="en-US" altLang="ko-KR" sz="3600" dirty="0" smtClean="0">
               <a:solidFill>
@@ -3806,40 +3816,111 @@
       </p:grpSpPr>
       <p:sp>
         <p:nvSpPr>
-          <p:cNvPr id="2" name="제목 1"/>
-          <p:cNvSpPr>
-            <a:spLocks noGrp="1"/>
+          <p:cNvPr id="3" name="제목 1"/>
+          <p:cNvSpPr txBox="1">
+            <a:spLocks/>
           </p:cNvSpPr>
-          <p:nvPr>
-            <p:ph type="ctrTitle"/>
-          </p:nvPr>
-        </p:nvSpPr>
-        <p:spPr/>
-        <p:txBody>
-          <a:bodyPr/>
-          <a:lstStyle/>
-          <a:p>
-            <a:r>
-              <a:rPr lang="ko-KR" altLang="en-US" dirty="0" smtClean="0">
-                <a:solidFill>
-                  <a:schemeClr val="accent5"/>
-                </a:solidFill>
+          <p:nvPr/>
+        </p:nvSpPr>
+        <p:spPr>
+          <a:xfrm>
+            <a:off x="683568" y="2348880"/>
+            <a:ext cx="7772400" cy="1470025"/>
+          </a:xfrm>
+          <a:prstGeom prst="rect">
+            <a:avLst/>
+          </a:prstGeom>
+        </p:spPr>
+        <p:txBody>
+          <a:bodyPr vert="horz" lIns="91440" tIns="45720" rIns="91440" bIns="45720" rtlCol="0" anchor="ctr">
+            <a:normAutofit/>
+          </a:bodyPr>
+          <a:lstStyle>
+            <a:lvl1pPr algn="ctr" defTabSz="914400" rtl="0" eaLnBrk="1" latinLnBrk="1" hangingPunct="1">
+              <a:spcBef>
+                <a:spcPct val="0"/>
+              </a:spcBef>
+              <a:buNone/>
+              <a:defRPr sz="4400" kern="1200">
+                <a:solidFill>
+                  <a:schemeClr val="tx1"/>
+                </a:solidFill>
+                <a:latin typeface="+mj-lt"/>
+                <a:ea typeface="+mj-ea"/>
+                <a:cs typeface="+mj-cs"/>
+              </a:defRPr>
+            </a:lvl1pPr>
+          </a:lstStyle>
+          <a:p>
+            <a:r>
+              <a:rPr lang="en-US" altLang="ko-KR" dirty="0" smtClean="0">
                 <a:latin typeface="배달의민족 주아" pitchFamily="18" charset="-127"/>
                 <a:ea typeface="배달의민족 주아" pitchFamily="18" charset="-127"/>
               </a:rPr>
-              <a:t>실습</a:t>
-            </a:r>
-            <a:r>
-              <a:rPr lang="en-US" altLang="ko-KR" dirty="0" smtClean="0">
-                <a:solidFill>
-                  <a:schemeClr val="accent5"/>
-                </a:solidFill>
+              <a:t>HTML</a:t>
+            </a:r>
+          </a:p>
+          <a:p>
+            <a:r>
+              <a:rPr lang="ko-KR" altLang="en-US" dirty="0" err="1" smtClean="0">
                 <a:latin typeface="배달의민족 주아" pitchFamily="18" charset="-127"/>
                 <a:ea typeface="배달의민족 주아" pitchFamily="18" charset="-127"/>
               </a:rPr>
-              <a:t>!</a:t>
+              <a:t>유튜브</a:t>
+            </a:r>
+            <a:r>
+              <a:rPr lang="ko-KR" altLang="en-US" dirty="0" smtClean="0">
+                <a:latin typeface="배달의민족 주아" pitchFamily="18" charset="-127"/>
+                <a:ea typeface="배달의민족 주아" pitchFamily="18" charset="-127"/>
+              </a:rPr>
+              <a:t> 동영상 추가하기</a:t>
             </a:r>
             <a:endParaRPr lang="ko-KR" altLang="en-US" dirty="0">
+              <a:latin typeface="배달의민족 주아" pitchFamily="18" charset="-127"/>
+              <a:ea typeface="배달의민족 주아" pitchFamily="18" charset="-127"/>
+            </a:endParaRPr>
+          </a:p>
+        </p:txBody>
+      </p:sp>
+      <p:sp>
+        <p:nvSpPr>
+          <p:cNvPr id="5" name="제목 1"/>
+          <p:cNvSpPr txBox="1">
+            <a:spLocks/>
+          </p:cNvSpPr>
+          <p:nvPr/>
+        </p:nvSpPr>
+        <p:spPr>
+          <a:xfrm>
+            <a:off x="838200" y="3501008"/>
+            <a:ext cx="7772400" cy="1470025"/>
+          </a:xfrm>
+          <a:prstGeom prst="rect">
+            <a:avLst/>
+          </a:prstGeom>
+        </p:spPr>
+        <p:txBody>
+          <a:bodyPr vert="horz" lIns="91440" tIns="45720" rIns="91440" bIns="45720" rtlCol="0" anchor="ctr">
+            <a:normAutofit/>
+          </a:bodyPr>
+          <a:lstStyle>
+            <a:lvl1pPr algn="ctr" defTabSz="914400" rtl="0" eaLnBrk="1" latinLnBrk="1" hangingPunct="1">
+              <a:spcBef>
+                <a:spcPct val="0"/>
+              </a:spcBef>
+              <a:buNone/>
+              <a:defRPr sz="4400" kern="1200">
+                <a:solidFill>
+                  <a:schemeClr val="tx1"/>
+                </a:solidFill>
+                <a:latin typeface="+mj-lt"/>
+                <a:ea typeface="+mj-ea"/>
+                <a:cs typeface="+mj-cs"/>
+              </a:defRPr>
+            </a:lvl1pPr>
+          </a:lstStyle>
+          <a:p>
+            <a:endParaRPr lang="en-US" altLang="ko-KR" sz="3600" dirty="0" smtClean="0">
               <a:solidFill>
                 <a:schemeClr val="accent5"/>
               </a:solidFill>
@@ -3851,7 +3932,7 @@
       </p:sp>
       <p:sp>
         <p:nvSpPr>
-          <p:cNvPr id="3" name="TextBox 2"/>
+          <p:cNvPr id="4" name="TextBox 2"/>
           <p:cNvSpPr txBox="1"/>
           <p:nvPr/>
         </p:nvSpPr>
@@ -4006,6 +4087,841 @@
           </a:p>
         </p:txBody>
       </p:sp>
+    </p:spTree>
+    <p:extLst>
+      <p:ext uri="{BB962C8B-B14F-4D97-AF65-F5344CB8AC3E}">
+        <p14:creationId xmlns:p14="http://schemas.microsoft.com/office/powerpoint/2010/main" val="2630408318"/>
+      </p:ext>
+    </p:extLst>
+  </p:cSld>
+  <p:clrMapOvr>
+    <a:masterClrMapping/>
+  </p:clrMapOvr>
+  <p:timing>
+    <p:tnLst>
+      <p:par>
+        <p:cTn id="1" dur="indefinite" restart="never" nodeType="tmRoot">
+          <p:childTnLst>
+            <p:seq concurrent="1" nextAc="seek">
+              <p:cTn id="2" dur="indefinite" nodeType="mainSeq">
+                <p:childTnLst>
+                  <p:par>
+                    <p:cTn id="3" fill="hold">
+                      <p:stCondLst>
+                        <p:cond delay="indefinite"/>
+                      </p:stCondLst>
+                      <p:childTnLst>
+                        <p:par>
+                          <p:cTn id="4" fill="hold">
+                            <p:stCondLst>
+                              <p:cond delay="0"/>
+                            </p:stCondLst>
+                            <p:childTnLst>
+                              <p:par>
+                                <p:cTn id="5" presetID="10" presetClass="entr" presetSubtype="0" fill="hold" grpId="0" nodeType="clickEffect" nodePh="1">
+                                  <p:stCondLst>
+                                    <p:cond delay="0"/>
+                                  </p:stCondLst>
+                                  <p:endCondLst>
+                                    <p:cond evt="begin" delay="0">
+                                      <p:tn val="5"/>
+                                    </p:cond>
+                                  </p:endCondLst>
+                                  <p:childTnLst>
+                                    <p:set>
+                                      <p:cBhvr>
+                                        <p:cTn id="6" dur="1" fill="hold">
+                                          <p:stCondLst>
+                                            <p:cond delay="0"/>
+                                          </p:stCondLst>
+                                        </p:cTn>
+                                        <p:tgtEl>
+                                          <p:spTgt spid="5"/>
+                                        </p:tgtEl>
+                                        <p:attrNameLst>
+                                          <p:attrName>style.visibility</p:attrName>
+                                        </p:attrNameLst>
+                                      </p:cBhvr>
+                                      <p:to>
+                                        <p:strVal val="visible"/>
+                                      </p:to>
+                                    </p:set>
+                                    <p:animEffect transition="in" filter="fade">
+                                      <p:cBhvr>
+                                        <p:cTn id="7" dur="500"/>
+                                        <p:tgtEl>
+                                          <p:spTgt spid="5"/>
+                                        </p:tgtEl>
+                                      </p:cBhvr>
+                                    </p:animEffect>
+                                  </p:childTnLst>
+                                </p:cTn>
+                              </p:par>
+                            </p:childTnLst>
+                          </p:cTn>
+                        </p:par>
+                      </p:childTnLst>
+                    </p:cTn>
+                  </p:par>
+                </p:childTnLst>
+              </p:cTn>
+              <p:prevCondLst>
+                <p:cond evt="onPrev" delay="0">
+                  <p:tgtEl>
+                    <p:sldTgt/>
+                  </p:tgtEl>
+                </p:cond>
+              </p:prevCondLst>
+              <p:nextCondLst>
+                <p:cond evt="onNext" delay="0">
+                  <p:tgtEl>
+                    <p:sldTgt/>
+                  </p:tgtEl>
+                </p:cond>
+              </p:nextCondLst>
+            </p:seq>
+          </p:childTnLst>
+        </p:cTn>
+      </p:par>
+    </p:tnLst>
+    <p:bldLst>
+      <p:bldP spid="5" grpId="0"/>
+    </p:bldLst>
+  </p:timing>
+</p:sld>
+</file>
+
+<file path=ppt/slides/slide12.xml><?xml version="1.0" encoding="utf-8"?>
+<p:sld xmlns:a="http://schemas.openxmlformats.org/drawingml/2006/main" xmlns:r="http://schemas.openxmlformats.org/officeDocument/2006/relationships" xmlns:p="http://schemas.openxmlformats.org/presentationml/2006/main">
+  <p:cSld>
+    <p:spTree>
+      <p:nvGrpSpPr>
+        <p:cNvPr id="1" name=""/>
+        <p:cNvGrpSpPr/>
+        <p:nvPr/>
+      </p:nvGrpSpPr>
+      <p:grpSpPr>
+        <a:xfrm>
+          <a:off x="0" y="0"/>
+          <a:ext cx="0" cy="0"/>
+          <a:chOff x="0" y="0"/>
+          <a:chExt cx="0" cy="0"/>
+        </a:xfrm>
+      </p:grpSpPr>
+      <p:sp>
+        <p:nvSpPr>
+          <p:cNvPr id="5" name="제목 1"/>
+          <p:cNvSpPr txBox="1">
+            <a:spLocks/>
+          </p:cNvSpPr>
+          <p:nvPr/>
+        </p:nvSpPr>
+        <p:spPr>
+          <a:xfrm>
+            <a:off x="838200" y="3501008"/>
+            <a:ext cx="7772400" cy="1470025"/>
+          </a:xfrm>
+          <a:prstGeom prst="rect">
+            <a:avLst/>
+          </a:prstGeom>
+        </p:spPr>
+        <p:txBody>
+          <a:bodyPr vert="horz" lIns="91440" tIns="45720" rIns="91440" bIns="45720" rtlCol="0" anchor="ctr">
+            <a:normAutofit/>
+          </a:bodyPr>
+          <a:lstStyle>
+            <a:lvl1pPr algn="ctr" defTabSz="914400" rtl="0" eaLnBrk="1" latinLnBrk="1" hangingPunct="1">
+              <a:spcBef>
+                <a:spcPct val="0"/>
+              </a:spcBef>
+              <a:buNone/>
+              <a:defRPr sz="4400" kern="1200">
+                <a:solidFill>
+                  <a:schemeClr val="tx1"/>
+                </a:solidFill>
+                <a:latin typeface="+mj-lt"/>
+                <a:ea typeface="+mj-ea"/>
+                <a:cs typeface="+mj-cs"/>
+              </a:defRPr>
+            </a:lvl1pPr>
+          </a:lstStyle>
+          <a:p>
+            <a:endParaRPr lang="en-US" altLang="ko-KR" sz="3600" dirty="0" smtClean="0">
+              <a:solidFill>
+                <a:schemeClr val="accent5"/>
+              </a:solidFill>
+              <a:latin typeface="배달의민족 주아" pitchFamily="18" charset="-127"/>
+              <a:ea typeface="배달의민족 주아" pitchFamily="18" charset="-127"/>
+            </a:endParaRPr>
+          </a:p>
+        </p:txBody>
+      </p:sp>
+      <p:sp>
+        <p:nvSpPr>
+          <p:cNvPr id="4" name="TextBox 2"/>
+          <p:cNvSpPr txBox="1"/>
+          <p:nvPr/>
+        </p:nvSpPr>
+        <p:spPr>
+          <a:xfrm>
+            <a:off x="6948264" y="6093296"/>
+            <a:ext cx="1838965" cy="369332"/>
+          </a:xfrm>
+          <a:prstGeom prst="rect">
+            <a:avLst/>
+          </a:prstGeom>
+          <a:noFill/>
+        </p:spPr>
+        <p:txBody>
+          <a:bodyPr wrap="none" rtlCol="0">
+            <a:spAutoFit/>
+          </a:bodyPr>
+          <a:lstStyle>
+            <a:defPPr>
+              <a:defRPr lang="ko-KR"/>
+            </a:defPPr>
+            <a:lvl1pPr marL="0" algn="l" defTabSz="914400" rtl="0" eaLnBrk="1" latinLnBrk="1" hangingPunct="1">
+              <a:defRPr sz="1800" kern="1200">
+                <a:solidFill>
+                  <a:schemeClr val="tx1"/>
+                </a:solidFill>
+                <a:latin typeface="+mn-lt"/>
+                <a:ea typeface="+mn-ea"/>
+                <a:cs typeface="+mn-cs"/>
+              </a:defRPr>
+            </a:lvl1pPr>
+            <a:lvl2pPr marL="457200" algn="l" defTabSz="914400" rtl="0" eaLnBrk="1" latinLnBrk="1" hangingPunct="1">
+              <a:defRPr sz="1800" kern="1200">
+                <a:solidFill>
+                  <a:schemeClr val="tx1"/>
+                </a:solidFill>
+                <a:latin typeface="+mn-lt"/>
+                <a:ea typeface="+mn-ea"/>
+                <a:cs typeface="+mn-cs"/>
+              </a:defRPr>
+            </a:lvl2pPr>
+            <a:lvl3pPr marL="914400" algn="l" defTabSz="914400" rtl="0" eaLnBrk="1" latinLnBrk="1" hangingPunct="1">
+              <a:defRPr sz="1800" kern="1200">
+                <a:solidFill>
+                  <a:schemeClr val="tx1"/>
+                </a:solidFill>
+                <a:latin typeface="+mn-lt"/>
+                <a:ea typeface="+mn-ea"/>
+                <a:cs typeface="+mn-cs"/>
+              </a:defRPr>
+            </a:lvl3pPr>
+            <a:lvl4pPr marL="1371600" algn="l" defTabSz="914400" rtl="0" eaLnBrk="1" latinLnBrk="1" hangingPunct="1">
+              <a:defRPr sz="1800" kern="1200">
+                <a:solidFill>
+                  <a:schemeClr val="tx1"/>
+                </a:solidFill>
+                <a:latin typeface="+mn-lt"/>
+                <a:ea typeface="+mn-ea"/>
+                <a:cs typeface="+mn-cs"/>
+              </a:defRPr>
+            </a:lvl4pPr>
+            <a:lvl5pPr marL="1828800" algn="l" defTabSz="914400" rtl="0" eaLnBrk="1" latinLnBrk="1" hangingPunct="1">
+              <a:defRPr sz="1800" kern="1200">
+                <a:solidFill>
+                  <a:schemeClr val="tx1"/>
+                </a:solidFill>
+                <a:latin typeface="+mn-lt"/>
+                <a:ea typeface="+mn-ea"/>
+                <a:cs typeface="+mn-cs"/>
+              </a:defRPr>
+            </a:lvl5pPr>
+            <a:lvl6pPr marL="2286000" algn="l" defTabSz="914400" rtl="0" eaLnBrk="1" latinLnBrk="1" hangingPunct="1">
+              <a:defRPr sz="1800" kern="1200">
+                <a:solidFill>
+                  <a:schemeClr val="tx1"/>
+                </a:solidFill>
+                <a:latin typeface="+mn-lt"/>
+                <a:ea typeface="+mn-ea"/>
+                <a:cs typeface="+mn-cs"/>
+              </a:defRPr>
+            </a:lvl6pPr>
+            <a:lvl7pPr marL="2743200" algn="l" defTabSz="914400" rtl="0" eaLnBrk="1" latinLnBrk="1" hangingPunct="1">
+              <a:defRPr sz="1800" kern="1200">
+                <a:solidFill>
+                  <a:schemeClr val="tx1"/>
+                </a:solidFill>
+                <a:latin typeface="+mn-lt"/>
+                <a:ea typeface="+mn-ea"/>
+                <a:cs typeface="+mn-cs"/>
+              </a:defRPr>
+            </a:lvl7pPr>
+            <a:lvl8pPr marL="3200400" algn="l" defTabSz="914400" rtl="0" eaLnBrk="1" latinLnBrk="1" hangingPunct="1">
+              <a:defRPr sz="1800" kern="1200">
+                <a:solidFill>
+                  <a:schemeClr val="tx1"/>
+                </a:solidFill>
+                <a:latin typeface="+mn-lt"/>
+                <a:ea typeface="+mn-ea"/>
+                <a:cs typeface="+mn-cs"/>
+              </a:defRPr>
+            </a:lvl8pPr>
+            <a:lvl9pPr marL="3657600" algn="l" defTabSz="914400" rtl="0" eaLnBrk="1" latinLnBrk="1" hangingPunct="1">
+              <a:defRPr sz="1800" kern="1200">
+                <a:solidFill>
+                  <a:schemeClr val="tx1"/>
+                </a:solidFill>
+                <a:latin typeface="+mn-lt"/>
+                <a:ea typeface="+mn-ea"/>
+                <a:cs typeface="+mn-cs"/>
+              </a:defRPr>
+            </a:lvl9pPr>
+          </a:lstStyle>
+          <a:p>
+            <a:r>
+              <a:rPr lang="en-US" altLang="ko-KR" dirty="0" smtClean="0">
+                <a:solidFill>
+                  <a:schemeClr val="accent5"/>
+                </a:solidFill>
+                <a:latin typeface="배달의민족 도현" pitchFamily="50" charset="-127"/>
+                <a:ea typeface="배달의민족 도현" pitchFamily="50" charset="-127"/>
+              </a:rPr>
+              <a:t>S</a:t>
+            </a:r>
+            <a:r>
+              <a:rPr lang="en-US" altLang="ko-KR" dirty="0" smtClean="0">
+                <a:latin typeface="배달의민족 도현" pitchFamily="50" charset="-127"/>
+                <a:ea typeface="배달의민족 도현" pitchFamily="50" charset="-127"/>
+              </a:rPr>
+              <a:t>TART</a:t>
+            </a:r>
+            <a:r>
+              <a:rPr lang="en-US" altLang="ko-KR" dirty="0" smtClean="0">
+                <a:solidFill>
+                  <a:schemeClr val="accent5"/>
+                </a:solidFill>
+                <a:latin typeface="배달의민족 도현" pitchFamily="50" charset="-127"/>
+                <a:ea typeface="배달의민족 도현" pitchFamily="50" charset="-127"/>
+              </a:rPr>
+              <a:t>C</a:t>
+            </a:r>
+            <a:r>
+              <a:rPr lang="en-US" altLang="ko-KR" dirty="0" smtClean="0">
+                <a:latin typeface="배달의민족 도현" pitchFamily="50" charset="-127"/>
+                <a:ea typeface="배달의민족 도현" pitchFamily="50" charset="-127"/>
+              </a:rPr>
+              <a:t>ODING</a:t>
+            </a:r>
+            <a:endParaRPr lang="ko-KR" altLang="en-US" dirty="0">
+              <a:latin typeface="배달의민족 도현" pitchFamily="50" charset="-127"/>
+              <a:ea typeface="배달의민족 도현" pitchFamily="50" charset="-127"/>
+            </a:endParaRPr>
+          </a:p>
+        </p:txBody>
+      </p:sp>
+      <p:pic>
+        <p:nvPicPr>
+          <p:cNvPr id="1026" name="Picture 2"/>
+          <p:cNvPicPr>
+            <a:picLocks noChangeAspect="1" noChangeArrowheads="1"/>
+          </p:cNvPicPr>
+          <p:nvPr/>
+        </p:nvPicPr>
+        <p:blipFill>
+          <a:blip r:embed="rId2">
+            <a:extLst>
+              <a:ext uri="{28A0092B-C50C-407E-A947-70E740481C1C}">
+                <a14:useLocalDpi xmlns:a14="http://schemas.microsoft.com/office/drawing/2010/main" val="0"/>
+              </a:ext>
+            </a:extLst>
+          </a:blip>
+          <a:srcRect/>
+          <a:stretch>
+            <a:fillRect/>
+          </a:stretch>
+        </p:blipFill>
+        <p:spPr bwMode="auto">
+          <a:xfrm>
+            <a:off x="0" y="392734"/>
+            <a:ext cx="9144000" cy="5229200"/>
+          </a:xfrm>
+          <a:prstGeom prst="rect">
+            <a:avLst/>
+          </a:prstGeom>
+          <a:noFill/>
+          <a:ln w="15875">
+            <a:solidFill>
+              <a:schemeClr val="tx1"/>
+            </a:solidFill>
+            <a:miter lim="800000"/>
+            <a:headEnd/>
+            <a:tailEnd/>
+          </a:ln>
+          <a:effectLst/>
+          <a:extLst>
+            <a:ext uri="{909E8E84-426E-40DD-AFC4-6F175D3DCCD1}">
+              <a14:hiddenFill xmlns:a14="http://schemas.microsoft.com/office/drawing/2010/main">
+                <a:solidFill>
+                  <a:schemeClr val="accent1"/>
+                </a:solidFill>
+              </a14:hiddenFill>
+            </a:ext>
+            <a:ext uri="{AF507438-7753-43E0-B8FC-AC1667EBCBE1}">
+              <a14:hiddenEffects xmlns:a14="http://schemas.microsoft.com/office/drawing/2010/main">
+                <a:effectLst>
+                  <a:outerShdw dist="35921" dir="2700000" algn="ctr" rotWithShape="0">
+                    <a:schemeClr val="bg2"/>
+                  </a:outerShdw>
+                </a:effectLst>
+              </a14:hiddenEffects>
+            </a:ext>
+          </a:extLst>
+        </p:spPr>
+      </p:pic>
+      <p:sp>
+        <p:nvSpPr>
+          <p:cNvPr id="2" name="오른쪽 화살표 1"/>
+          <p:cNvSpPr/>
+          <p:nvPr/>
+        </p:nvSpPr>
+        <p:spPr>
+          <a:xfrm>
+            <a:off x="2170446" y="3470269"/>
+            <a:ext cx="864096" cy="421591"/>
+          </a:xfrm>
+          <a:prstGeom prst="rightArrow">
+            <a:avLst/>
+          </a:prstGeom>
+          <a:solidFill>
+            <a:srgbClr val="FFFF00"/>
+          </a:solidFill>
+        </p:spPr>
+        <p:style>
+          <a:lnRef idx="2">
+            <a:schemeClr val="accent1">
+              <a:shade val="50000"/>
+            </a:schemeClr>
+          </a:lnRef>
+          <a:fillRef idx="1">
+            <a:schemeClr val="accent1"/>
+          </a:fillRef>
+          <a:effectRef idx="0">
+            <a:schemeClr val="accent1"/>
+          </a:effectRef>
+          <a:fontRef idx="minor">
+            <a:schemeClr val="lt1"/>
+          </a:fontRef>
+        </p:style>
+        <p:txBody>
+          <a:bodyPr rtlCol="0" anchor="ctr"/>
+          <a:lstStyle/>
+          <a:p>
+            <a:pPr algn="ctr"/>
+            <a:endParaRPr lang="ko-KR" altLang="en-US"/>
+          </a:p>
+        </p:txBody>
+      </p:sp>
+      <p:sp>
+        <p:nvSpPr>
+          <p:cNvPr id="6" name="직사각형 5"/>
+          <p:cNvSpPr/>
+          <p:nvPr/>
+        </p:nvSpPr>
+        <p:spPr>
+          <a:xfrm>
+            <a:off x="3034542" y="3429000"/>
+            <a:ext cx="2088232" cy="504131"/>
+          </a:xfrm>
+          <a:prstGeom prst="rect">
+            <a:avLst/>
+          </a:prstGeom>
+          <a:noFill/>
+          <a:ln>
+            <a:solidFill>
+              <a:srgbClr val="FFFF00"/>
+            </a:solidFill>
+          </a:ln>
+        </p:spPr>
+        <p:style>
+          <a:lnRef idx="2">
+            <a:schemeClr val="accent1">
+              <a:shade val="50000"/>
+            </a:schemeClr>
+          </a:lnRef>
+          <a:fillRef idx="1">
+            <a:schemeClr val="accent1"/>
+          </a:fillRef>
+          <a:effectRef idx="0">
+            <a:schemeClr val="accent1"/>
+          </a:effectRef>
+          <a:fontRef idx="minor">
+            <a:schemeClr val="lt1"/>
+          </a:fontRef>
+        </p:style>
+        <p:txBody>
+          <a:bodyPr rtlCol="0" anchor="ctr"/>
+          <a:lstStyle/>
+          <a:p>
+            <a:pPr algn="ctr"/>
+            <a:endParaRPr lang="ko-KR" altLang="en-US"/>
+          </a:p>
+        </p:txBody>
+      </p:sp>
+    </p:spTree>
+    <p:extLst>
+      <p:ext uri="{BB962C8B-B14F-4D97-AF65-F5344CB8AC3E}">
+        <p14:creationId xmlns:p14="http://schemas.microsoft.com/office/powerpoint/2010/main" val="2673649731"/>
+      </p:ext>
+    </p:extLst>
+  </p:cSld>
+  <p:clrMapOvr>
+    <a:masterClrMapping/>
+  </p:clrMapOvr>
+  <p:timing>
+    <p:tnLst>
+      <p:par>
+        <p:cTn id="1" dur="indefinite" restart="never" nodeType="tmRoot">
+          <p:childTnLst>
+            <p:seq concurrent="1" nextAc="seek">
+              <p:cTn id="2" dur="indefinite" nodeType="mainSeq">
+                <p:childTnLst>
+                  <p:par>
+                    <p:cTn id="3" fill="hold">
+                      <p:stCondLst>
+                        <p:cond delay="indefinite"/>
+                      </p:stCondLst>
+                      <p:childTnLst>
+                        <p:par>
+                          <p:cTn id="4" fill="hold">
+                            <p:stCondLst>
+                              <p:cond delay="0"/>
+                            </p:stCondLst>
+                            <p:childTnLst>
+                              <p:par>
+                                <p:cTn id="5" presetID="10" presetClass="entr" presetSubtype="0" fill="hold" grpId="0" nodeType="clickEffect" nodePh="1">
+                                  <p:stCondLst>
+                                    <p:cond delay="0"/>
+                                  </p:stCondLst>
+                                  <p:endCondLst>
+                                    <p:cond evt="begin" delay="0">
+                                      <p:tn val="5"/>
+                                    </p:cond>
+                                  </p:endCondLst>
+                                  <p:childTnLst>
+                                    <p:set>
+                                      <p:cBhvr>
+                                        <p:cTn id="6" dur="1" fill="hold">
+                                          <p:stCondLst>
+                                            <p:cond delay="0"/>
+                                          </p:stCondLst>
+                                        </p:cTn>
+                                        <p:tgtEl>
+                                          <p:spTgt spid="5"/>
+                                        </p:tgtEl>
+                                        <p:attrNameLst>
+                                          <p:attrName>style.visibility</p:attrName>
+                                        </p:attrNameLst>
+                                      </p:cBhvr>
+                                      <p:to>
+                                        <p:strVal val="visible"/>
+                                      </p:to>
+                                    </p:set>
+                                    <p:animEffect transition="in" filter="fade">
+                                      <p:cBhvr>
+                                        <p:cTn id="7" dur="500"/>
+                                        <p:tgtEl>
+                                          <p:spTgt spid="5"/>
+                                        </p:tgtEl>
+                                      </p:cBhvr>
+                                    </p:animEffect>
+                                  </p:childTnLst>
+                                </p:cTn>
+                              </p:par>
+                            </p:childTnLst>
+                          </p:cTn>
+                        </p:par>
+                      </p:childTnLst>
+                    </p:cTn>
+                  </p:par>
+                </p:childTnLst>
+              </p:cTn>
+              <p:prevCondLst>
+                <p:cond evt="onPrev" delay="0">
+                  <p:tgtEl>
+                    <p:sldTgt/>
+                  </p:tgtEl>
+                </p:cond>
+              </p:prevCondLst>
+              <p:nextCondLst>
+                <p:cond evt="onNext" delay="0">
+                  <p:tgtEl>
+                    <p:sldTgt/>
+                  </p:tgtEl>
+                </p:cond>
+              </p:nextCondLst>
+            </p:seq>
+          </p:childTnLst>
+        </p:cTn>
+      </p:par>
+    </p:tnLst>
+    <p:bldLst>
+      <p:bldP spid="5" grpId="0"/>
+    </p:bldLst>
+  </p:timing>
+</p:sld>
+</file>
+
+<file path=ppt/slides/slide13.xml><?xml version="1.0" encoding="utf-8"?>
+<p:sld xmlns:a="http://schemas.openxmlformats.org/drawingml/2006/main" xmlns:r="http://schemas.openxmlformats.org/officeDocument/2006/relationships" xmlns:p="http://schemas.openxmlformats.org/presentationml/2006/main">
+  <p:cSld>
+    <p:spTree>
+      <p:nvGrpSpPr>
+        <p:cNvPr id="1" name=""/>
+        <p:cNvGrpSpPr/>
+        <p:nvPr/>
+      </p:nvGrpSpPr>
+      <p:grpSpPr>
+        <a:xfrm>
+          <a:off x="0" y="0"/>
+          <a:ext cx="0" cy="0"/>
+          <a:chOff x="0" y="0"/>
+          <a:chExt cx="0" cy="0"/>
+        </a:xfrm>
+      </p:grpSpPr>
+      <p:sp>
+        <p:nvSpPr>
+          <p:cNvPr id="3" name="TextBox 2"/>
+          <p:cNvSpPr txBox="1"/>
+          <p:nvPr/>
+        </p:nvSpPr>
+        <p:spPr>
+          <a:xfrm>
+            <a:off x="6948264" y="6093296"/>
+            <a:ext cx="1838965" cy="369332"/>
+          </a:xfrm>
+          <a:prstGeom prst="rect">
+            <a:avLst/>
+          </a:prstGeom>
+          <a:noFill/>
+        </p:spPr>
+        <p:txBody>
+          <a:bodyPr wrap="none" rtlCol="0">
+            <a:spAutoFit/>
+          </a:bodyPr>
+          <a:lstStyle>
+            <a:defPPr>
+              <a:defRPr lang="ko-KR"/>
+            </a:defPPr>
+            <a:lvl1pPr marL="0" algn="l" defTabSz="914400" rtl="0" eaLnBrk="1" latinLnBrk="1" hangingPunct="1">
+              <a:defRPr sz="1800" kern="1200">
+                <a:solidFill>
+                  <a:schemeClr val="tx1"/>
+                </a:solidFill>
+                <a:latin typeface="+mn-lt"/>
+                <a:ea typeface="+mn-ea"/>
+                <a:cs typeface="+mn-cs"/>
+              </a:defRPr>
+            </a:lvl1pPr>
+            <a:lvl2pPr marL="457200" algn="l" defTabSz="914400" rtl="0" eaLnBrk="1" latinLnBrk="1" hangingPunct="1">
+              <a:defRPr sz="1800" kern="1200">
+                <a:solidFill>
+                  <a:schemeClr val="tx1"/>
+                </a:solidFill>
+                <a:latin typeface="+mn-lt"/>
+                <a:ea typeface="+mn-ea"/>
+                <a:cs typeface="+mn-cs"/>
+              </a:defRPr>
+            </a:lvl2pPr>
+            <a:lvl3pPr marL="914400" algn="l" defTabSz="914400" rtl="0" eaLnBrk="1" latinLnBrk="1" hangingPunct="1">
+              <a:defRPr sz="1800" kern="1200">
+                <a:solidFill>
+                  <a:schemeClr val="tx1"/>
+                </a:solidFill>
+                <a:latin typeface="+mn-lt"/>
+                <a:ea typeface="+mn-ea"/>
+                <a:cs typeface="+mn-cs"/>
+              </a:defRPr>
+            </a:lvl3pPr>
+            <a:lvl4pPr marL="1371600" algn="l" defTabSz="914400" rtl="0" eaLnBrk="1" latinLnBrk="1" hangingPunct="1">
+              <a:defRPr sz="1800" kern="1200">
+                <a:solidFill>
+                  <a:schemeClr val="tx1"/>
+                </a:solidFill>
+                <a:latin typeface="+mn-lt"/>
+                <a:ea typeface="+mn-ea"/>
+                <a:cs typeface="+mn-cs"/>
+              </a:defRPr>
+            </a:lvl4pPr>
+            <a:lvl5pPr marL="1828800" algn="l" defTabSz="914400" rtl="0" eaLnBrk="1" latinLnBrk="1" hangingPunct="1">
+              <a:defRPr sz="1800" kern="1200">
+                <a:solidFill>
+                  <a:schemeClr val="tx1"/>
+                </a:solidFill>
+                <a:latin typeface="+mn-lt"/>
+                <a:ea typeface="+mn-ea"/>
+                <a:cs typeface="+mn-cs"/>
+              </a:defRPr>
+            </a:lvl5pPr>
+            <a:lvl6pPr marL="2286000" algn="l" defTabSz="914400" rtl="0" eaLnBrk="1" latinLnBrk="1" hangingPunct="1">
+              <a:defRPr sz="1800" kern="1200">
+                <a:solidFill>
+                  <a:schemeClr val="tx1"/>
+                </a:solidFill>
+                <a:latin typeface="+mn-lt"/>
+                <a:ea typeface="+mn-ea"/>
+                <a:cs typeface="+mn-cs"/>
+              </a:defRPr>
+            </a:lvl6pPr>
+            <a:lvl7pPr marL="2743200" algn="l" defTabSz="914400" rtl="0" eaLnBrk="1" latinLnBrk="1" hangingPunct="1">
+              <a:defRPr sz="1800" kern="1200">
+                <a:solidFill>
+                  <a:schemeClr val="tx1"/>
+                </a:solidFill>
+                <a:latin typeface="+mn-lt"/>
+                <a:ea typeface="+mn-ea"/>
+                <a:cs typeface="+mn-cs"/>
+              </a:defRPr>
+            </a:lvl7pPr>
+            <a:lvl8pPr marL="3200400" algn="l" defTabSz="914400" rtl="0" eaLnBrk="1" latinLnBrk="1" hangingPunct="1">
+              <a:defRPr sz="1800" kern="1200">
+                <a:solidFill>
+                  <a:schemeClr val="tx1"/>
+                </a:solidFill>
+                <a:latin typeface="+mn-lt"/>
+                <a:ea typeface="+mn-ea"/>
+                <a:cs typeface="+mn-cs"/>
+              </a:defRPr>
+            </a:lvl8pPr>
+            <a:lvl9pPr marL="3657600" algn="l" defTabSz="914400" rtl="0" eaLnBrk="1" latinLnBrk="1" hangingPunct="1">
+              <a:defRPr sz="1800" kern="1200">
+                <a:solidFill>
+                  <a:schemeClr val="tx1"/>
+                </a:solidFill>
+                <a:latin typeface="+mn-lt"/>
+                <a:ea typeface="+mn-ea"/>
+                <a:cs typeface="+mn-cs"/>
+              </a:defRPr>
+            </a:lvl9pPr>
+          </a:lstStyle>
+          <a:p>
+            <a:r>
+              <a:rPr lang="en-US" altLang="ko-KR" dirty="0" smtClean="0">
+                <a:solidFill>
+                  <a:schemeClr val="accent5"/>
+                </a:solidFill>
+                <a:latin typeface="배달의민족 도현" pitchFamily="50" charset="-127"/>
+                <a:ea typeface="배달의민족 도현" pitchFamily="50" charset="-127"/>
+              </a:rPr>
+              <a:t>S</a:t>
+            </a:r>
+            <a:r>
+              <a:rPr lang="en-US" altLang="ko-KR" dirty="0" smtClean="0">
+                <a:latin typeface="배달의민족 도현" pitchFamily="50" charset="-127"/>
+                <a:ea typeface="배달의민족 도현" pitchFamily="50" charset="-127"/>
+              </a:rPr>
+              <a:t>TART</a:t>
+            </a:r>
+            <a:r>
+              <a:rPr lang="en-US" altLang="ko-KR" dirty="0" smtClean="0">
+                <a:solidFill>
+                  <a:schemeClr val="accent5"/>
+                </a:solidFill>
+                <a:latin typeface="배달의민족 도현" pitchFamily="50" charset="-127"/>
+                <a:ea typeface="배달의민족 도현" pitchFamily="50" charset="-127"/>
+              </a:rPr>
+              <a:t>C</a:t>
+            </a:r>
+            <a:r>
+              <a:rPr lang="en-US" altLang="ko-KR" dirty="0" smtClean="0">
+                <a:latin typeface="배달의민족 도현" pitchFamily="50" charset="-127"/>
+                <a:ea typeface="배달의민족 도현" pitchFamily="50" charset="-127"/>
+              </a:rPr>
+              <a:t>ODING</a:t>
+            </a:r>
+            <a:endParaRPr lang="ko-KR" altLang="en-US" dirty="0">
+              <a:latin typeface="배달의민족 도현" pitchFamily="50" charset="-127"/>
+              <a:ea typeface="배달의민족 도현" pitchFamily="50" charset="-127"/>
+            </a:endParaRPr>
+          </a:p>
+        </p:txBody>
+      </p:sp>
+      <p:sp>
+        <p:nvSpPr>
+          <p:cNvPr id="4" name="제목 3"/>
+          <p:cNvSpPr>
+            <a:spLocks noGrp="1"/>
+          </p:cNvSpPr>
+          <p:nvPr>
+            <p:ph type="ctrTitle"/>
+          </p:nvPr>
+        </p:nvSpPr>
+        <p:spPr/>
+        <p:txBody>
+          <a:bodyPr/>
+          <a:lstStyle/>
+          <a:p>
+            <a:endParaRPr lang="ko-KR" altLang="en-US"/>
+          </a:p>
+        </p:txBody>
+      </p:sp>
+      <p:pic>
+        <p:nvPicPr>
+          <p:cNvPr id="2050" name="Picture 2"/>
+          <p:cNvPicPr>
+            <a:picLocks noChangeAspect="1" noChangeArrowheads="1"/>
+          </p:cNvPicPr>
+          <p:nvPr/>
+        </p:nvPicPr>
+        <p:blipFill>
+          <a:blip r:embed="rId2">
+            <a:extLst>
+              <a:ext uri="{28A0092B-C50C-407E-A947-70E740481C1C}">
+                <a14:useLocalDpi xmlns:a14="http://schemas.microsoft.com/office/drawing/2010/main" val="0"/>
+              </a:ext>
+            </a:extLst>
+          </a:blip>
+          <a:srcRect/>
+          <a:stretch>
+            <a:fillRect/>
+          </a:stretch>
+        </p:blipFill>
+        <p:spPr bwMode="auto">
+          <a:xfrm>
+            <a:off x="0" y="764704"/>
+            <a:ext cx="9144000" cy="5157192"/>
+          </a:xfrm>
+          <a:prstGeom prst="rect">
+            <a:avLst/>
+          </a:prstGeom>
+          <a:noFill/>
+          <a:ln>
+            <a:noFill/>
+          </a:ln>
+          <a:effectLst/>
+          <a:extLst>
+            <a:ext uri="{909E8E84-426E-40DD-AFC4-6F175D3DCCD1}">
+              <a14:hiddenFill xmlns:a14="http://schemas.microsoft.com/office/drawing/2010/main">
+                <a:solidFill>
+                  <a:schemeClr val="accent1"/>
+                </a:solidFill>
+              </a14:hiddenFill>
+            </a:ext>
+            <a:ext uri="{91240B29-F687-4F45-9708-019B960494DF}">
+              <a14:hiddenLine xmlns:a14="http://schemas.microsoft.com/office/drawing/2010/main" w="9525">
+                <a:solidFill>
+                  <a:schemeClr val="tx1"/>
+                </a:solidFill>
+                <a:miter lim="800000"/>
+                <a:headEnd/>
+                <a:tailEnd/>
+              </a14:hiddenLine>
+            </a:ext>
+            <a:ext uri="{AF507438-7753-43E0-B8FC-AC1667EBCBE1}">
+              <a14:hiddenEffects xmlns:a14="http://schemas.microsoft.com/office/drawing/2010/main">
+                <a:effectLst>
+                  <a:outerShdw dist="35921" dir="2700000" algn="ctr" rotWithShape="0">
+                    <a:schemeClr val="bg2"/>
+                  </a:outerShdw>
+                </a:effectLst>
+              </a14:hiddenEffects>
+            </a:ext>
+          </a:extLst>
+        </p:spPr>
+      </p:pic>
     </p:spTree>
     <p:extLst>
       <p:ext uri="{BB962C8B-B14F-4D97-AF65-F5344CB8AC3E}">
@@ -4026,7 +4942,658 @@
 </p:sld>
 </file>
 
-<file path=ppt/slides/slide12.xml><?xml version="1.0" encoding="utf-8"?>
+<file path=ppt/slides/slide14.xml><?xml version="1.0" encoding="utf-8"?>
+<p:sld xmlns:a="http://schemas.openxmlformats.org/drawingml/2006/main" xmlns:r="http://schemas.openxmlformats.org/officeDocument/2006/relationships" xmlns:p="http://schemas.openxmlformats.org/presentationml/2006/main">
+  <p:cSld>
+    <p:spTree>
+      <p:nvGrpSpPr>
+        <p:cNvPr id="1" name=""/>
+        <p:cNvGrpSpPr/>
+        <p:nvPr/>
+      </p:nvGrpSpPr>
+      <p:grpSpPr>
+        <a:xfrm>
+          <a:off x="0" y="0"/>
+          <a:ext cx="0" cy="0"/>
+          <a:chOff x="0" y="0"/>
+          <a:chExt cx="0" cy="0"/>
+        </a:xfrm>
+      </p:grpSpPr>
+      <p:sp>
+        <p:nvSpPr>
+          <p:cNvPr id="3" name="TextBox 2"/>
+          <p:cNvSpPr txBox="1"/>
+          <p:nvPr/>
+        </p:nvSpPr>
+        <p:spPr>
+          <a:xfrm>
+            <a:off x="6948264" y="6093296"/>
+            <a:ext cx="1838965" cy="369332"/>
+          </a:xfrm>
+          <a:prstGeom prst="rect">
+            <a:avLst/>
+          </a:prstGeom>
+          <a:noFill/>
+        </p:spPr>
+        <p:txBody>
+          <a:bodyPr wrap="none" rtlCol="0">
+            <a:spAutoFit/>
+          </a:bodyPr>
+          <a:lstStyle>
+            <a:defPPr>
+              <a:defRPr lang="ko-KR"/>
+            </a:defPPr>
+            <a:lvl1pPr marL="0" algn="l" defTabSz="914400" rtl="0" eaLnBrk="1" latinLnBrk="1" hangingPunct="1">
+              <a:defRPr sz="1800" kern="1200">
+                <a:solidFill>
+                  <a:schemeClr val="tx1"/>
+                </a:solidFill>
+                <a:latin typeface="+mn-lt"/>
+                <a:ea typeface="+mn-ea"/>
+                <a:cs typeface="+mn-cs"/>
+              </a:defRPr>
+            </a:lvl1pPr>
+            <a:lvl2pPr marL="457200" algn="l" defTabSz="914400" rtl="0" eaLnBrk="1" latinLnBrk="1" hangingPunct="1">
+              <a:defRPr sz="1800" kern="1200">
+                <a:solidFill>
+                  <a:schemeClr val="tx1"/>
+                </a:solidFill>
+                <a:latin typeface="+mn-lt"/>
+                <a:ea typeface="+mn-ea"/>
+                <a:cs typeface="+mn-cs"/>
+              </a:defRPr>
+            </a:lvl2pPr>
+            <a:lvl3pPr marL="914400" algn="l" defTabSz="914400" rtl="0" eaLnBrk="1" latinLnBrk="1" hangingPunct="1">
+              <a:defRPr sz="1800" kern="1200">
+                <a:solidFill>
+                  <a:schemeClr val="tx1"/>
+                </a:solidFill>
+                <a:latin typeface="+mn-lt"/>
+                <a:ea typeface="+mn-ea"/>
+                <a:cs typeface="+mn-cs"/>
+              </a:defRPr>
+            </a:lvl3pPr>
+            <a:lvl4pPr marL="1371600" algn="l" defTabSz="914400" rtl="0" eaLnBrk="1" latinLnBrk="1" hangingPunct="1">
+              <a:defRPr sz="1800" kern="1200">
+                <a:solidFill>
+                  <a:schemeClr val="tx1"/>
+                </a:solidFill>
+                <a:latin typeface="+mn-lt"/>
+                <a:ea typeface="+mn-ea"/>
+                <a:cs typeface="+mn-cs"/>
+              </a:defRPr>
+            </a:lvl4pPr>
+            <a:lvl5pPr marL="1828800" algn="l" defTabSz="914400" rtl="0" eaLnBrk="1" latinLnBrk="1" hangingPunct="1">
+              <a:defRPr sz="1800" kern="1200">
+                <a:solidFill>
+                  <a:schemeClr val="tx1"/>
+                </a:solidFill>
+                <a:latin typeface="+mn-lt"/>
+                <a:ea typeface="+mn-ea"/>
+                <a:cs typeface="+mn-cs"/>
+              </a:defRPr>
+            </a:lvl5pPr>
+            <a:lvl6pPr marL="2286000" algn="l" defTabSz="914400" rtl="0" eaLnBrk="1" latinLnBrk="1" hangingPunct="1">
+              <a:defRPr sz="1800" kern="1200">
+                <a:solidFill>
+                  <a:schemeClr val="tx1"/>
+                </a:solidFill>
+                <a:latin typeface="+mn-lt"/>
+                <a:ea typeface="+mn-ea"/>
+                <a:cs typeface="+mn-cs"/>
+              </a:defRPr>
+            </a:lvl6pPr>
+            <a:lvl7pPr marL="2743200" algn="l" defTabSz="914400" rtl="0" eaLnBrk="1" latinLnBrk="1" hangingPunct="1">
+              <a:defRPr sz="1800" kern="1200">
+                <a:solidFill>
+                  <a:schemeClr val="tx1"/>
+                </a:solidFill>
+                <a:latin typeface="+mn-lt"/>
+                <a:ea typeface="+mn-ea"/>
+                <a:cs typeface="+mn-cs"/>
+              </a:defRPr>
+            </a:lvl7pPr>
+            <a:lvl8pPr marL="3200400" algn="l" defTabSz="914400" rtl="0" eaLnBrk="1" latinLnBrk="1" hangingPunct="1">
+              <a:defRPr sz="1800" kern="1200">
+                <a:solidFill>
+                  <a:schemeClr val="tx1"/>
+                </a:solidFill>
+                <a:latin typeface="+mn-lt"/>
+                <a:ea typeface="+mn-ea"/>
+                <a:cs typeface="+mn-cs"/>
+              </a:defRPr>
+            </a:lvl8pPr>
+            <a:lvl9pPr marL="3657600" algn="l" defTabSz="914400" rtl="0" eaLnBrk="1" latinLnBrk="1" hangingPunct="1">
+              <a:defRPr sz="1800" kern="1200">
+                <a:solidFill>
+                  <a:schemeClr val="tx1"/>
+                </a:solidFill>
+                <a:latin typeface="+mn-lt"/>
+                <a:ea typeface="+mn-ea"/>
+                <a:cs typeface="+mn-cs"/>
+              </a:defRPr>
+            </a:lvl9pPr>
+          </a:lstStyle>
+          <a:p>
+            <a:r>
+              <a:rPr lang="en-US" altLang="ko-KR" dirty="0" smtClean="0">
+                <a:solidFill>
+                  <a:schemeClr val="accent5"/>
+                </a:solidFill>
+                <a:latin typeface="배달의민족 도현" pitchFamily="50" charset="-127"/>
+                <a:ea typeface="배달의민족 도현" pitchFamily="50" charset="-127"/>
+              </a:rPr>
+              <a:t>S</a:t>
+            </a:r>
+            <a:r>
+              <a:rPr lang="en-US" altLang="ko-KR" dirty="0" smtClean="0">
+                <a:latin typeface="배달의민족 도현" pitchFamily="50" charset="-127"/>
+                <a:ea typeface="배달의민족 도현" pitchFamily="50" charset="-127"/>
+              </a:rPr>
+              <a:t>TART</a:t>
+            </a:r>
+            <a:r>
+              <a:rPr lang="en-US" altLang="ko-KR" dirty="0" smtClean="0">
+                <a:solidFill>
+                  <a:schemeClr val="accent5"/>
+                </a:solidFill>
+                <a:latin typeface="배달의민족 도현" pitchFamily="50" charset="-127"/>
+                <a:ea typeface="배달의민족 도현" pitchFamily="50" charset="-127"/>
+              </a:rPr>
+              <a:t>C</a:t>
+            </a:r>
+            <a:r>
+              <a:rPr lang="en-US" altLang="ko-KR" dirty="0" smtClean="0">
+                <a:latin typeface="배달의민족 도현" pitchFamily="50" charset="-127"/>
+                <a:ea typeface="배달의민족 도현" pitchFamily="50" charset="-127"/>
+              </a:rPr>
+              <a:t>ODING</a:t>
+            </a:r>
+            <a:endParaRPr lang="ko-KR" altLang="en-US" dirty="0">
+              <a:latin typeface="배달의민족 도현" pitchFamily="50" charset="-127"/>
+              <a:ea typeface="배달의민족 도현" pitchFamily="50" charset="-127"/>
+            </a:endParaRPr>
+          </a:p>
+        </p:txBody>
+      </p:sp>
+      <p:pic>
+        <p:nvPicPr>
+          <p:cNvPr id="3074" name="Picture 2"/>
+          <p:cNvPicPr>
+            <a:picLocks noChangeAspect="1" noChangeArrowheads="1"/>
+          </p:cNvPicPr>
+          <p:nvPr/>
+        </p:nvPicPr>
+        <p:blipFill>
+          <a:blip r:embed="rId2">
+            <a:extLst>
+              <a:ext uri="{28A0092B-C50C-407E-A947-70E740481C1C}">
+                <a14:useLocalDpi xmlns:a14="http://schemas.microsoft.com/office/drawing/2010/main" val="0"/>
+              </a:ext>
+            </a:extLst>
+          </a:blip>
+          <a:srcRect/>
+          <a:stretch>
+            <a:fillRect/>
+          </a:stretch>
+        </p:blipFill>
+        <p:spPr bwMode="auto">
+          <a:xfrm>
+            <a:off x="0" y="692696"/>
+            <a:ext cx="9144000" cy="5245047"/>
+          </a:xfrm>
+          <a:prstGeom prst="rect">
+            <a:avLst/>
+          </a:prstGeom>
+          <a:noFill/>
+          <a:ln>
+            <a:noFill/>
+          </a:ln>
+          <a:effectLst/>
+          <a:extLst>
+            <a:ext uri="{909E8E84-426E-40DD-AFC4-6F175D3DCCD1}">
+              <a14:hiddenFill xmlns:a14="http://schemas.microsoft.com/office/drawing/2010/main">
+                <a:solidFill>
+                  <a:schemeClr val="accent1"/>
+                </a:solidFill>
+              </a14:hiddenFill>
+            </a:ext>
+            <a:ext uri="{91240B29-F687-4F45-9708-019B960494DF}">
+              <a14:hiddenLine xmlns:a14="http://schemas.microsoft.com/office/drawing/2010/main" w="9525">
+                <a:solidFill>
+                  <a:schemeClr val="tx1"/>
+                </a:solidFill>
+                <a:miter lim="800000"/>
+                <a:headEnd/>
+                <a:tailEnd/>
+              </a14:hiddenLine>
+            </a:ext>
+            <a:ext uri="{AF507438-7753-43E0-B8FC-AC1667EBCBE1}">
+              <a14:hiddenEffects xmlns:a14="http://schemas.microsoft.com/office/drawing/2010/main">
+                <a:effectLst>
+                  <a:outerShdw dist="35921" dir="2700000" algn="ctr" rotWithShape="0">
+                    <a:schemeClr val="bg2"/>
+                  </a:outerShdw>
+                </a:effectLst>
+              </a14:hiddenEffects>
+            </a:ext>
+          </a:extLst>
+        </p:spPr>
+      </p:pic>
+      <p:sp>
+        <p:nvSpPr>
+          <p:cNvPr id="2" name="직사각형 1"/>
+          <p:cNvSpPr/>
+          <p:nvPr/>
+        </p:nvSpPr>
+        <p:spPr>
+          <a:xfrm>
+            <a:off x="2267744" y="3861048"/>
+            <a:ext cx="648072" cy="792088"/>
+          </a:xfrm>
+          <a:prstGeom prst="rect">
+            <a:avLst/>
+          </a:prstGeom>
+          <a:noFill/>
+          <a:ln>
+            <a:solidFill>
+              <a:srgbClr val="FFFF00"/>
+            </a:solidFill>
+          </a:ln>
+        </p:spPr>
+        <p:style>
+          <a:lnRef idx="2">
+            <a:schemeClr val="accent1">
+              <a:shade val="50000"/>
+            </a:schemeClr>
+          </a:lnRef>
+          <a:fillRef idx="1">
+            <a:schemeClr val="accent1"/>
+          </a:fillRef>
+          <a:effectRef idx="0">
+            <a:schemeClr val="accent1"/>
+          </a:effectRef>
+          <a:fontRef idx="minor">
+            <a:schemeClr val="lt1"/>
+          </a:fontRef>
+        </p:style>
+        <p:txBody>
+          <a:bodyPr rtlCol="0" anchor="ctr"/>
+          <a:lstStyle/>
+          <a:p>
+            <a:pPr algn="ctr"/>
+            <a:endParaRPr lang="ko-KR" altLang="en-US"/>
+          </a:p>
+        </p:txBody>
+      </p:sp>
+      <p:sp>
+        <p:nvSpPr>
+          <p:cNvPr id="5" name="오른쪽 화살표 4"/>
+          <p:cNvSpPr/>
+          <p:nvPr/>
+        </p:nvSpPr>
+        <p:spPr>
+          <a:xfrm>
+            <a:off x="1659349" y="4113076"/>
+            <a:ext cx="576064" cy="288032"/>
+          </a:xfrm>
+          <a:prstGeom prst="rightArrow">
+            <a:avLst/>
+          </a:prstGeom>
+          <a:solidFill>
+            <a:srgbClr val="FFFF00"/>
+          </a:solidFill>
+        </p:spPr>
+        <p:style>
+          <a:lnRef idx="2">
+            <a:schemeClr val="accent1">
+              <a:shade val="50000"/>
+            </a:schemeClr>
+          </a:lnRef>
+          <a:fillRef idx="1">
+            <a:schemeClr val="accent1"/>
+          </a:fillRef>
+          <a:effectRef idx="0">
+            <a:schemeClr val="accent1"/>
+          </a:effectRef>
+          <a:fontRef idx="minor">
+            <a:schemeClr val="lt1"/>
+          </a:fontRef>
+        </p:style>
+        <p:txBody>
+          <a:bodyPr rtlCol="0" anchor="ctr"/>
+          <a:lstStyle/>
+          <a:p>
+            <a:pPr algn="ctr"/>
+            <a:endParaRPr lang="ko-KR" altLang="en-US"/>
+          </a:p>
+        </p:txBody>
+      </p:sp>
+    </p:spTree>
+    <p:extLst>
+      <p:ext uri="{BB962C8B-B14F-4D97-AF65-F5344CB8AC3E}">
+        <p14:creationId xmlns:p14="http://schemas.microsoft.com/office/powerpoint/2010/main" val="754846486"/>
+      </p:ext>
+    </p:extLst>
+  </p:cSld>
+  <p:clrMapOvr>
+    <a:masterClrMapping/>
+  </p:clrMapOvr>
+  <p:timing>
+    <p:tnLst>
+      <p:par>
+        <p:cTn id="1" dur="indefinite" restart="never" nodeType="tmRoot"/>
+      </p:par>
+    </p:tnLst>
+  </p:timing>
+</p:sld>
+</file>
+
+<file path=ppt/slides/slide15.xml><?xml version="1.0" encoding="utf-8"?>
+<p:sld xmlns:a="http://schemas.openxmlformats.org/drawingml/2006/main" xmlns:r="http://schemas.openxmlformats.org/officeDocument/2006/relationships" xmlns:p="http://schemas.openxmlformats.org/presentationml/2006/main">
+  <p:cSld>
+    <p:spTree>
+      <p:nvGrpSpPr>
+        <p:cNvPr id="1" name=""/>
+        <p:cNvGrpSpPr/>
+        <p:nvPr/>
+      </p:nvGrpSpPr>
+      <p:grpSpPr>
+        <a:xfrm>
+          <a:off x="0" y="0"/>
+          <a:ext cx="0" cy="0"/>
+          <a:chOff x="0" y="0"/>
+          <a:chExt cx="0" cy="0"/>
+        </a:xfrm>
+      </p:grpSpPr>
+      <p:sp>
+        <p:nvSpPr>
+          <p:cNvPr id="3" name="TextBox 2"/>
+          <p:cNvSpPr txBox="1"/>
+          <p:nvPr/>
+        </p:nvSpPr>
+        <p:spPr>
+          <a:xfrm>
+            <a:off x="6948264" y="6093296"/>
+            <a:ext cx="1838965" cy="369332"/>
+          </a:xfrm>
+          <a:prstGeom prst="rect">
+            <a:avLst/>
+          </a:prstGeom>
+          <a:noFill/>
+        </p:spPr>
+        <p:txBody>
+          <a:bodyPr wrap="none" rtlCol="0">
+            <a:spAutoFit/>
+          </a:bodyPr>
+          <a:lstStyle>
+            <a:defPPr>
+              <a:defRPr lang="ko-KR"/>
+            </a:defPPr>
+            <a:lvl1pPr marL="0" algn="l" defTabSz="914400" rtl="0" eaLnBrk="1" latinLnBrk="1" hangingPunct="1">
+              <a:defRPr sz="1800" kern="1200">
+                <a:solidFill>
+                  <a:schemeClr val="tx1"/>
+                </a:solidFill>
+                <a:latin typeface="+mn-lt"/>
+                <a:ea typeface="+mn-ea"/>
+                <a:cs typeface="+mn-cs"/>
+              </a:defRPr>
+            </a:lvl1pPr>
+            <a:lvl2pPr marL="457200" algn="l" defTabSz="914400" rtl="0" eaLnBrk="1" latinLnBrk="1" hangingPunct="1">
+              <a:defRPr sz="1800" kern="1200">
+                <a:solidFill>
+                  <a:schemeClr val="tx1"/>
+                </a:solidFill>
+                <a:latin typeface="+mn-lt"/>
+                <a:ea typeface="+mn-ea"/>
+                <a:cs typeface="+mn-cs"/>
+              </a:defRPr>
+            </a:lvl2pPr>
+            <a:lvl3pPr marL="914400" algn="l" defTabSz="914400" rtl="0" eaLnBrk="1" latinLnBrk="1" hangingPunct="1">
+              <a:defRPr sz="1800" kern="1200">
+                <a:solidFill>
+                  <a:schemeClr val="tx1"/>
+                </a:solidFill>
+                <a:latin typeface="+mn-lt"/>
+                <a:ea typeface="+mn-ea"/>
+                <a:cs typeface="+mn-cs"/>
+              </a:defRPr>
+            </a:lvl3pPr>
+            <a:lvl4pPr marL="1371600" algn="l" defTabSz="914400" rtl="0" eaLnBrk="1" latinLnBrk="1" hangingPunct="1">
+              <a:defRPr sz="1800" kern="1200">
+                <a:solidFill>
+                  <a:schemeClr val="tx1"/>
+                </a:solidFill>
+                <a:latin typeface="+mn-lt"/>
+                <a:ea typeface="+mn-ea"/>
+                <a:cs typeface="+mn-cs"/>
+              </a:defRPr>
+            </a:lvl4pPr>
+            <a:lvl5pPr marL="1828800" algn="l" defTabSz="914400" rtl="0" eaLnBrk="1" latinLnBrk="1" hangingPunct="1">
+              <a:defRPr sz="1800" kern="1200">
+                <a:solidFill>
+                  <a:schemeClr val="tx1"/>
+                </a:solidFill>
+                <a:latin typeface="+mn-lt"/>
+                <a:ea typeface="+mn-ea"/>
+                <a:cs typeface="+mn-cs"/>
+              </a:defRPr>
+            </a:lvl5pPr>
+            <a:lvl6pPr marL="2286000" algn="l" defTabSz="914400" rtl="0" eaLnBrk="1" latinLnBrk="1" hangingPunct="1">
+              <a:defRPr sz="1800" kern="1200">
+                <a:solidFill>
+                  <a:schemeClr val="tx1"/>
+                </a:solidFill>
+                <a:latin typeface="+mn-lt"/>
+                <a:ea typeface="+mn-ea"/>
+                <a:cs typeface="+mn-cs"/>
+              </a:defRPr>
+            </a:lvl6pPr>
+            <a:lvl7pPr marL="2743200" algn="l" defTabSz="914400" rtl="0" eaLnBrk="1" latinLnBrk="1" hangingPunct="1">
+              <a:defRPr sz="1800" kern="1200">
+                <a:solidFill>
+                  <a:schemeClr val="tx1"/>
+                </a:solidFill>
+                <a:latin typeface="+mn-lt"/>
+                <a:ea typeface="+mn-ea"/>
+                <a:cs typeface="+mn-cs"/>
+              </a:defRPr>
+            </a:lvl7pPr>
+            <a:lvl8pPr marL="3200400" algn="l" defTabSz="914400" rtl="0" eaLnBrk="1" latinLnBrk="1" hangingPunct="1">
+              <a:defRPr sz="1800" kern="1200">
+                <a:solidFill>
+                  <a:schemeClr val="tx1"/>
+                </a:solidFill>
+                <a:latin typeface="+mn-lt"/>
+                <a:ea typeface="+mn-ea"/>
+                <a:cs typeface="+mn-cs"/>
+              </a:defRPr>
+            </a:lvl8pPr>
+            <a:lvl9pPr marL="3657600" algn="l" defTabSz="914400" rtl="0" eaLnBrk="1" latinLnBrk="1" hangingPunct="1">
+              <a:defRPr sz="1800" kern="1200">
+                <a:solidFill>
+                  <a:schemeClr val="tx1"/>
+                </a:solidFill>
+                <a:latin typeface="+mn-lt"/>
+                <a:ea typeface="+mn-ea"/>
+                <a:cs typeface="+mn-cs"/>
+              </a:defRPr>
+            </a:lvl9pPr>
+          </a:lstStyle>
+          <a:p>
+            <a:r>
+              <a:rPr lang="en-US" altLang="ko-KR" dirty="0" smtClean="0">
+                <a:solidFill>
+                  <a:schemeClr val="accent5"/>
+                </a:solidFill>
+                <a:latin typeface="배달의민족 도현" pitchFamily="50" charset="-127"/>
+                <a:ea typeface="배달의민족 도현" pitchFamily="50" charset="-127"/>
+              </a:rPr>
+              <a:t>S</a:t>
+            </a:r>
+            <a:r>
+              <a:rPr lang="en-US" altLang="ko-KR" dirty="0" smtClean="0">
+                <a:latin typeface="배달의민족 도현" pitchFamily="50" charset="-127"/>
+                <a:ea typeface="배달의민족 도현" pitchFamily="50" charset="-127"/>
+              </a:rPr>
+              <a:t>TART</a:t>
+            </a:r>
+            <a:r>
+              <a:rPr lang="en-US" altLang="ko-KR" dirty="0" smtClean="0">
+                <a:solidFill>
+                  <a:schemeClr val="accent5"/>
+                </a:solidFill>
+                <a:latin typeface="배달의민족 도현" pitchFamily="50" charset="-127"/>
+                <a:ea typeface="배달의민족 도현" pitchFamily="50" charset="-127"/>
+              </a:rPr>
+              <a:t>C</a:t>
+            </a:r>
+            <a:r>
+              <a:rPr lang="en-US" altLang="ko-KR" dirty="0" smtClean="0">
+                <a:latin typeface="배달의민족 도현" pitchFamily="50" charset="-127"/>
+                <a:ea typeface="배달의민족 도현" pitchFamily="50" charset="-127"/>
+              </a:rPr>
+              <a:t>ODING</a:t>
+            </a:r>
+            <a:endParaRPr lang="ko-KR" altLang="en-US" dirty="0">
+              <a:latin typeface="배달의민족 도현" pitchFamily="50" charset="-127"/>
+              <a:ea typeface="배달의민족 도현" pitchFamily="50" charset="-127"/>
+            </a:endParaRPr>
+          </a:p>
+        </p:txBody>
+      </p:sp>
+      <p:pic>
+        <p:nvPicPr>
+          <p:cNvPr id="4098" name="Picture 2"/>
+          <p:cNvPicPr>
+            <a:picLocks noChangeAspect="1" noChangeArrowheads="1"/>
+          </p:cNvPicPr>
+          <p:nvPr/>
+        </p:nvPicPr>
+        <p:blipFill>
+          <a:blip r:embed="rId2">
+            <a:extLst>
+              <a:ext uri="{28A0092B-C50C-407E-A947-70E740481C1C}">
+                <a14:useLocalDpi xmlns:a14="http://schemas.microsoft.com/office/drawing/2010/main" val="0"/>
+              </a:ext>
+            </a:extLst>
+          </a:blip>
+          <a:srcRect/>
+          <a:stretch>
+            <a:fillRect/>
+          </a:stretch>
+        </p:blipFill>
+        <p:spPr bwMode="auto">
+          <a:xfrm>
+            <a:off x="1501775" y="1644650"/>
+            <a:ext cx="6140450" cy="3568700"/>
+          </a:xfrm>
+          <a:prstGeom prst="rect">
+            <a:avLst/>
+          </a:prstGeom>
+          <a:noFill/>
+          <a:ln>
+            <a:noFill/>
+          </a:ln>
+          <a:effectLst/>
+          <a:extLst>
+            <a:ext uri="{909E8E84-426E-40DD-AFC4-6F175D3DCCD1}">
+              <a14:hiddenFill xmlns:a14="http://schemas.microsoft.com/office/drawing/2010/main">
+                <a:solidFill>
+                  <a:schemeClr val="accent1"/>
+                </a:solidFill>
+              </a14:hiddenFill>
+            </a:ext>
+            <a:ext uri="{91240B29-F687-4F45-9708-019B960494DF}">
+              <a14:hiddenLine xmlns:a14="http://schemas.microsoft.com/office/drawing/2010/main" w="9525">
+                <a:solidFill>
+                  <a:schemeClr val="tx1"/>
+                </a:solidFill>
+                <a:miter lim="800000"/>
+                <a:headEnd/>
+                <a:tailEnd/>
+              </a14:hiddenLine>
+            </a:ext>
+            <a:ext uri="{AF507438-7753-43E0-B8FC-AC1667EBCBE1}">
+              <a14:hiddenEffects xmlns:a14="http://schemas.microsoft.com/office/drawing/2010/main">
+                <a:effectLst>
+                  <a:outerShdw dist="35921" dir="2700000" algn="ctr" rotWithShape="0">
+                    <a:schemeClr val="bg2"/>
+                  </a:outerShdw>
+                </a:effectLst>
+              </a14:hiddenEffects>
+            </a:ext>
+          </a:extLst>
+        </p:spPr>
+      </p:pic>
+      <p:sp>
+        <p:nvSpPr>
+          <p:cNvPr id="2" name="직사각형 1"/>
+          <p:cNvSpPr/>
+          <p:nvPr/>
+        </p:nvSpPr>
+        <p:spPr>
+          <a:xfrm>
+            <a:off x="6876256" y="2132856"/>
+            <a:ext cx="765969" cy="432048"/>
+          </a:xfrm>
+          <a:prstGeom prst="rect">
+            <a:avLst/>
+          </a:prstGeom>
+          <a:noFill/>
+          <a:ln>
+            <a:solidFill>
+              <a:srgbClr val="FFFF00"/>
+            </a:solidFill>
+          </a:ln>
+        </p:spPr>
+        <p:style>
+          <a:lnRef idx="2">
+            <a:schemeClr val="accent1">
+              <a:shade val="50000"/>
+            </a:schemeClr>
+          </a:lnRef>
+          <a:fillRef idx="1">
+            <a:schemeClr val="accent1"/>
+          </a:fillRef>
+          <a:effectRef idx="0">
+            <a:schemeClr val="accent1"/>
+          </a:effectRef>
+          <a:fontRef idx="minor">
+            <a:schemeClr val="lt1"/>
+          </a:fontRef>
+        </p:style>
+        <p:txBody>
+          <a:bodyPr rtlCol="0" anchor="ctr"/>
+          <a:lstStyle/>
+          <a:p>
+            <a:pPr algn="ctr"/>
+            <a:endParaRPr lang="ko-KR" altLang="en-US"/>
+          </a:p>
+        </p:txBody>
+      </p:sp>
+    </p:spTree>
+    <p:extLst>
+      <p:ext uri="{BB962C8B-B14F-4D97-AF65-F5344CB8AC3E}">
+        <p14:creationId xmlns:p14="http://schemas.microsoft.com/office/powerpoint/2010/main" val="956203616"/>
+      </p:ext>
+    </p:extLst>
+  </p:cSld>
+  <p:clrMapOvr>
+    <a:masterClrMapping/>
+  </p:clrMapOvr>
+  <p:timing>
+    <p:tnLst>
+      <p:par>
+        <p:cTn id="1" dur="indefinite" restart="never" nodeType="tmRoot"/>
+      </p:par>
+    </p:tnLst>
+  </p:timing>
+</p:sld>
+</file>
+
+<file path=ppt/slides/slide16.xml><?xml version="1.0" encoding="utf-8"?>
 <p:sld xmlns:a="http://schemas.openxmlformats.org/drawingml/2006/main" xmlns:r="http://schemas.openxmlformats.org/officeDocument/2006/relationships" xmlns:p="http://schemas.openxmlformats.org/presentationml/2006/main">
   <p:cSld>
     <p:spTree>

--- a/프론트엔드기초(PPT)/HTML5 3강_멀티미디어태그.pptx
+++ b/프론트엔드기초(PPT)/HTML5 3강_멀티미디어태그.pptx
@@ -119,6 +119,22 @@
       </a:defRPr>
     </a:lvl9pPr>
   </p:defaultTextStyle>
+  <p:extLst>
+    <p:ext uri="{EFAFB233-063F-42B5-8137-9DF3F51BA10A}">
+      <p15:sldGuideLst xmlns:p15="http://schemas.microsoft.com/office/powerpoint/2012/main">
+        <p15:guide id="1" orient="horz" pos="2160">
+          <p15:clr>
+            <a:srgbClr val="A4A3A4"/>
+          </p15:clr>
+        </p15:guide>
+        <p15:guide id="2" pos="2880">
+          <p15:clr>
+            <a:srgbClr val="A4A3A4"/>
+          </p15:clr>
+        </p15:guide>
+      </p15:sldGuideLst>
+    </p:ext>
+  </p:extLst>
 </p:presentation>
 </file>
 
@@ -160,10 +176,9 @@
           <a:lstStyle/>
           <a:p>
             <a:r>
-              <a:rPr lang="ko-KR" altLang="en-US" smtClean="0"/>
+              <a:rPr lang="ko-KR" altLang="en-US"/>
               <a:t>마스터 제목 스타일 편집</a:t>
             </a:r>
-            <a:endParaRPr lang="ko-KR" altLang="en-US"/>
           </a:p>
         </p:txBody>
       </p:sp>
@@ -279,10 +294,9 @@
           </a:lstStyle>
           <a:p>
             <a:r>
-              <a:rPr lang="ko-KR" altLang="en-US" smtClean="0"/>
+              <a:rPr lang="ko-KR" altLang="en-US"/>
               <a:t>마스터 부제목 스타일 편집</a:t>
             </a:r>
-            <a:endParaRPr lang="ko-KR" altLang="en-US"/>
           </a:p>
         </p:txBody>
       </p:sp>
@@ -303,7 +317,7 @@
           <a:p>
             <a:fld id="{FB30EDBD-1C2D-4C1E-B459-B60219FAB484}" type="datetimeFigureOut">
               <a:rPr lang="ko-KR" altLang="en-US" smtClean="0"/>
-              <a:t>2020-09-13</a:t>
+              <a:t>2021-10-08</a:t>
             </a:fld>
             <a:endParaRPr lang="ko-KR" altLang="en-US"/>
           </a:p>
@@ -392,10 +406,9 @@
           <a:lstStyle/>
           <a:p>
             <a:r>
-              <a:rPr lang="ko-KR" altLang="en-US" smtClean="0"/>
+              <a:rPr lang="ko-KR" altLang="en-US"/>
               <a:t>마스터 제목 스타일 편집</a:t>
             </a:r>
-            <a:endParaRPr lang="ko-KR" altLang="en-US"/>
           </a:p>
         </p:txBody>
       </p:sp>
@@ -416,38 +429,37 @@
           <a:p>
             <a:pPr lvl="0"/>
             <a:r>
-              <a:rPr lang="ko-KR" altLang="en-US" smtClean="0"/>
+              <a:rPr lang="ko-KR" altLang="en-US"/>
               <a:t>마스터 텍스트 스타일을 편집합니다</a:t>
             </a:r>
           </a:p>
           <a:p>
             <a:pPr lvl="1"/>
             <a:r>
-              <a:rPr lang="ko-KR" altLang="en-US" smtClean="0"/>
+              <a:rPr lang="ko-KR" altLang="en-US"/>
               <a:t>둘째 수준</a:t>
             </a:r>
           </a:p>
           <a:p>
             <a:pPr lvl="2"/>
             <a:r>
-              <a:rPr lang="ko-KR" altLang="en-US" smtClean="0"/>
+              <a:rPr lang="ko-KR" altLang="en-US"/>
               <a:t>셋째 수준</a:t>
             </a:r>
           </a:p>
           <a:p>
             <a:pPr lvl="3"/>
             <a:r>
-              <a:rPr lang="ko-KR" altLang="en-US" smtClean="0"/>
+              <a:rPr lang="ko-KR" altLang="en-US"/>
               <a:t>넷째 수준</a:t>
             </a:r>
           </a:p>
           <a:p>
             <a:pPr lvl="4"/>
             <a:r>
-              <a:rPr lang="ko-KR" altLang="en-US" smtClean="0"/>
+              <a:rPr lang="ko-KR" altLang="en-US"/>
               <a:t>다섯째 수준</a:t>
             </a:r>
-            <a:endParaRPr lang="ko-KR" altLang="en-US"/>
           </a:p>
         </p:txBody>
       </p:sp>
@@ -468,7 +480,7 @@
           <a:p>
             <a:fld id="{FB30EDBD-1C2D-4C1E-B459-B60219FAB484}" type="datetimeFigureOut">
               <a:rPr lang="ko-KR" altLang="en-US" smtClean="0"/>
-              <a:t>2020-09-13</a:t>
+              <a:t>2021-10-08</a:t>
             </a:fld>
             <a:endParaRPr lang="ko-KR" altLang="en-US"/>
           </a:p>
@@ -562,10 +574,9 @@
           <a:lstStyle/>
           <a:p>
             <a:r>
-              <a:rPr lang="ko-KR" altLang="en-US" smtClean="0"/>
+              <a:rPr lang="ko-KR" altLang="en-US"/>
               <a:t>마스터 제목 스타일 편집</a:t>
             </a:r>
-            <a:endParaRPr lang="ko-KR" altLang="en-US"/>
           </a:p>
         </p:txBody>
       </p:sp>
@@ -591,38 +602,37 @@
           <a:p>
             <a:pPr lvl="0"/>
             <a:r>
-              <a:rPr lang="ko-KR" altLang="en-US" smtClean="0"/>
+              <a:rPr lang="ko-KR" altLang="en-US"/>
               <a:t>마스터 텍스트 스타일을 편집합니다</a:t>
             </a:r>
           </a:p>
           <a:p>
             <a:pPr lvl="1"/>
             <a:r>
-              <a:rPr lang="ko-KR" altLang="en-US" smtClean="0"/>
+              <a:rPr lang="ko-KR" altLang="en-US"/>
               <a:t>둘째 수준</a:t>
             </a:r>
           </a:p>
           <a:p>
             <a:pPr lvl="2"/>
             <a:r>
-              <a:rPr lang="ko-KR" altLang="en-US" smtClean="0"/>
+              <a:rPr lang="ko-KR" altLang="en-US"/>
               <a:t>셋째 수준</a:t>
             </a:r>
           </a:p>
           <a:p>
             <a:pPr lvl="3"/>
             <a:r>
-              <a:rPr lang="ko-KR" altLang="en-US" smtClean="0"/>
+              <a:rPr lang="ko-KR" altLang="en-US"/>
               <a:t>넷째 수준</a:t>
             </a:r>
           </a:p>
           <a:p>
             <a:pPr lvl="4"/>
             <a:r>
-              <a:rPr lang="ko-KR" altLang="en-US" smtClean="0"/>
+              <a:rPr lang="ko-KR" altLang="en-US"/>
               <a:t>다섯째 수준</a:t>
             </a:r>
-            <a:endParaRPr lang="ko-KR" altLang="en-US"/>
           </a:p>
         </p:txBody>
       </p:sp>
@@ -643,7 +653,7 @@
           <a:p>
             <a:fld id="{FB30EDBD-1C2D-4C1E-B459-B60219FAB484}" type="datetimeFigureOut">
               <a:rPr lang="ko-KR" altLang="en-US" smtClean="0"/>
-              <a:t>2020-09-13</a:t>
+              <a:t>2021-10-08</a:t>
             </a:fld>
             <a:endParaRPr lang="ko-KR" altLang="en-US"/>
           </a:p>
@@ -732,10 +742,9 @@
           <a:lstStyle/>
           <a:p>
             <a:r>
-              <a:rPr lang="ko-KR" altLang="en-US" smtClean="0"/>
+              <a:rPr lang="ko-KR" altLang="en-US"/>
               <a:t>마스터 제목 스타일 편집</a:t>
             </a:r>
-            <a:endParaRPr lang="ko-KR" altLang="en-US"/>
           </a:p>
         </p:txBody>
       </p:sp>
@@ -756,38 +765,37 @@
           <a:p>
             <a:pPr lvl="0"/>
             <a:r>
-              <a:rPr lang="ko-KR" altLang="en-US" smtClean="0"/>
+              <a:rPr lang="ko-KR" altLang="en-US"/>
               <a:t>마스터 텍스트 스타일을 편집합니다</a:t>
             </a:r>
           </a:p>
           <a:p>
             <a:pPr lvl="1"/>
             <a:r>
-              <a:rPr lang="ko-KR" altLang="en-US" smtClean="0"/>
+              <a:rPr lang="ko-KR" altLang="en-US"/>
               <a:t>둘째 수준</a:t>
             </a:r>
           </a:p>
           <a:p>
             <a:pPr lvl="2"/>
             <a:r>
-              <a:rPr lang="ko-KR" altLang="en-US" smtClean="0"/>
+              <a:rPr lang="ko-KR" altLang="en-US"/>
               <a:t>셋째 수준</a:t>
             </a:r>
           </a:p>
           <a:p>
             <a:pPr lvl="3"/>
             <a:r>
-              <a:rPr lang="ko-KR" altLang="en-US" smtClean="0"/>
+              <a:rPr lang="ko-KR" altLang="en-US"/>
               <a:t>넷째 수준</a:t>
             </a:r>
           </a:p>
           <a:p>
             <a:pPr lvl="4"/>
             <a:r>
-              <a:rPr lang="ko-KR" altLang="en-US" smtClean="0"/>
+              <a:rPr lang="ko-KR" altLang="en-US"/>
               <a:t>다섯째 수준</a:t>
             </a:r>
-            <a:endParaRPr lang="ko-KR" altLang="en-US"/>
           </a:p>
         </p:txBody>
       </p:sp>
@@ -808,7 +816,7 @@
           <a:p>
             <a:fld id="{FB30EDBD-1C2D-4C1E-B459-B60219FAB484}" type="datetimeFigureOut">
               <a:rPr lang="ko-KR" altLang="en-US" smtClean="0"/>
-              <a:t>2020-09-13</a:t>
+              <a:t>2021-10-08</a:t>
             </a:fld>
             <a:endParaRPr lang="ko-KR" altLang="en-US"/>
           </a:p>
@@ -906,10 +914,9 @@
           </a:lstStyle>
           <a:p>
             <a:r>
-              <a:rPr lang="ko-KR" altLang="en-US" smtClean="0"/>
+              <a:rPr lang="ko-KR" altLang="en-US"/>
               <a:t>마스터 제목 스타일 편집</a:t>
             </a:r>
-            <a:endParaRPr lang="ko-KR" altLang="en-US"/>
           </a:p>
         </p:txBody>
       </p:sp>
@@ -1026,7 +1033,7 @@
           <a:p>
             <a:pPr lvl="0"/>
             <a:r>
-              <a:rPr lang="ko-KR" altLang="en-US" smtClean="0"/>
+              <a:rPr lang="ko-KR" altLang="en-US"/>
               <a:t>마스터 텍스트 스타일을 편집합니다</a:t>
             </a:r>
           </a:p>
@@ -1049,7 +1056,7 @@
           <a:p>
             <a:fld id="{FB30EDBD-1C2D-4C1E-B459-B60219FAB484}" type="datetimeFigureOut">
               <a:rPr lang="ko-KR" altLang="en-US" smtClean="0"/>
-              <a:t>2020-09-13</a:t>
+              <a:t>2021-10-08</a:t>
             </a:fld>
             <a:endParaRPr lang="ko-KR" altLang="en-US"/>
           </a:p>
@@ -1138,10 +1145,9 @@
           <a:lstStyle/>
           <a:p>
             <a:r>
-              <a:rPr lang="ko-KR" altLang="en-US" smtClean="0"/>
+              <a:rPr lang="ko-KR" altLang="en-US"/>
               <a:t>마스터 제목 스타일 편집</a:t>
             </a:r>
-            <a:endParaRPr lang="ko-KR" altLang="en-US"/>
           </a:p>
         </p:txBody>
       </p:sp>
@@ -1195,38 +1201,37 @@
           <a:p>
             <a:pPr lvl="0"/>
             <a:r>
-              <a:rPr lang="ko-KR" altLang="en-US" smtClean="0"/>
+              <a:rPr lang="ko-KR" altLang="en-US"/>
               <a:t>마스터 텍스트 스타일을 편집합니다</a:t>
             </a:r>
           </a:p>
           <a:p>
             <a:pPr lvl="1"/>
             <a:r>
-              <a:rPr lang="ko-KR" altLang="en-US" smtClean="0"/>
+              <a:rPr lang="ko-KR" altLang="en-US"/>
               <a:t>둘째 수준</a:t>
             </a:r>
           </a:p>
           <a:p>
             <a:pPr lvl="2"/>
             <a:r>
-              <a:rPr lang="ko-KR" altLang="en-US" smtClean="0"/>
+              <a:rPr lang="ko-KR" altLang="en-US"/>
               <a:t>셋째 수준</a:t>
             </a:r>
           </a:p>
           <a:p>
             <a:pPr lvl="3"/>
             <a:r>
-              <a:rPr lang="ko-KR" altLang="en-US" smtClean="0"/>
+              <a:rPr lang="ko-KR" altLang="en-US"/>
               <a:t>넷째 수준</a:t>
             </a:r>
           </a:p>
           <a:p>
             <a:pPr lvl="4"/>
             <a:r>
-              <a:rPr lang="ko-KR" altLang="en-US" smtClean="0"/>
+              <a:rPr lang="ko-KR" altLang="en-US"/>
               <a:t>다섯째 수준</a:t>
             </a:r>
-            <a:endParaRPr lang="ko-KR" altLang="en-US"/>
           </a:p>
         </p:txBody>
       </p:sp>
@@ -1280,38 +1285,37 @@
           <a:p>
             <a:pPr lvl="0"/>
             <a:r>
-              <a:rPr lang="ko-KR" altLang="en-US" smtClean="0"/>
+              <a:rPr lang="ko-KR" altLang="en-US"/>
               <a:t>마스터 텍스트 스타일을 편집합니다</a:t>
             </a:r>
           </a:p>
           <a:p>
             <a:pPr lvl="1"/>
             <a:r>
-              <a:rPr lang="ko-KR" altLang="en-US" smtClean="0"/>
+              <a:rPr lang="ko-KR" altLang="en-US"/>
               <a:t>둘째 수준</a:t>
             </a:r>
           </a:p>
           <a:p>
             <a:pPr lvl="2"/>
             <a:r>
-              <a:rPr lang="ko-KR" altLang="en-US" smtClean="0"/>
+              <a:rPr lang="ko-KR" altLang="en-US"/>
               <a:t>셋째 수준</a:t>
             </a:r>
           </a:p>
           <a:p>
             <a:pPr lvl="3"/>
             <a:r>
-              <a:rPr lang="ko-KR" altLang="en-US" smtClean="0"/>
+              <a:rPr lang="ko-KR" altLang="en-US"/>
               <a:t>넷째 수준</a:t>
             </a:r>
           </a:p>
           <a:p>
             <a:pPr lvl="4"/>
             <a:r>
-              <a:rPr lang="ko-KR" altLang="en-US" smtClean="0"/>
+              <a:rPr lang="ko-KR" altLang="en-US"/>
               <a:t>다섯째 수준</a:t>
             </a:r>
-            <a:endParaRPr lang="ko-KR" altLang="en-US"/>
           </a:p>
         </p:txBody>
       </p:sp>
@@ -1332,7 +1336,7 @@
           <a:p>
             <a:fld id="{FB30EDBD-1C2D-4C1E-B459-B60219FAB484}" type="datetimeFigureOut">
               <a:rPr lang="ko-KR" altLang="en-US" smtClean="0"/>
-              <a:t>2020-09-13</a:t>
+              <a:t>2021-10-08</a:t>
             </a:fld>
             <a:endParaRPr lang="ko-KR" altLang="en-US"/>
           </a:p>
@@ -1425,10 +1429,9 @@
           </a:lstStyle>
           <a:p>
             <a:r>
-              <a:rPr lang="ko-KR" altLang="en-US" smtClean="0"/>
+              <a:rPr lang="ko-KR" altLang="en-US"/>
               <a:t>마스터 제목 스타일 편집</a:t>
             </a:r>
-            <a:endParaRPr lang="ko-KR" altLang="en-US"/>
           </a:p>
         </p:txBody>
       </p:sp>
@@ -1491,7 +1494,7 @@
           <a:p>
             <a:pPr lvl="0"/>
             <a:r>
-              <a:rPr lang="ko-KR" altLang="en-US" smtClean="0"/>
+              <a:rPr lang="ko-KR" altLang="en-US"/>
               <a:t>마스터 텍스트 스타일을 편집합니다</a:t>
             </a:r>
           </a:p>
@@ -1547,38 +1550,37 @@
           <a:p>
             <a:pPr lvl="0"/>
             <a:r>
-              <a:rPr lang="ko-KR" altLang="en-US" smtClean="0"/>
+              <a:rPr lang="ko-KR" altLang="en-US"/>
               <a:t>마스터 텍스트 스타일을 편집합니다</a:t>
             </a:r>
           </a:p>
           <a:p>
             <a:pPr lvl="1"/>
             <a:r>
-              <a:rPr lang="ko-KR" altLang="en-US" smtClean="0"/>
+              <a:rPr lang="ko-KR" altLang="en-US"/>
               <a:t>둘째 수준</a:t>
             </a:r>
           </a:p>
           <a:p>
             <a:pPr lvl="2"/>
             <a:r>
-              <a:rPr lang="ko-KR" altLang="en-US" smtClean="0"/>
+              <a:rPr lang="ko-KR" altLang="en-US"/>
               <a:t>셋째 수준</a:t>
             </a:r>
           </a:p>
           <a:p>
             <a:pPr lvl="3"/>
             <a:r>
-              <a:rPr lang="ko-KR" altLang="en-US" smtClean="0"/>
+              <a:rPr lang="ko-KR" altLang="en-US"/>
               <a:t>넷째 수준</a:t>
             </a:r>
           </a:p>
           <a:p>
             <a:pPr lvl="4"/>
             <a:r>
-              <a:rPr lang="ko-KR" altLang="en-US" smtClean="0"/>
+              <a:rPr lang="ko-KR" altLang="en-US"/>
               <a:t>다섯째 수준</a:t>
             </a:r>
-            <a:endParaRPr lang="ko-KR" altLang="en-US"/>
           </a:p>
         </p:txBody>
       </p:sp>
@@ -1641,7 +1643,7 @@
           <a:p>
             <a:pPr lvl="0"/>
             <a:r>
-              <a:rPr lang="ko-KR" altLang="en-US" smtClean="0"/>
+              <a:rPr lang="ko-KR" altLang="en-US"/>
               <a:t>마스터 텍스트 스타일을 편집합니다</a:t>
             </a:r>
           </a:p>
@@ -1697,38 +1699,37 @@
           <a:p>
             <a:pPr lvl="0"/>
             <a:r>
-              <a:rPr lang="ko-KR" altLang="en-US" smtClean="0"/>
+              <a:rPr lang="ko-KR" altLang="en-US"/>
               <a:t>마스터 텍스트 스타일을 편집합니다</a:t>
             </a:r>
           </a:p>
           <a:p>
             <a:pPr lvl="1"/>
             <a:r>
-              <a:rPr lang="ko-KR" altLang="en-US" smtClean="0"/>
+              <a:rPr lang="ko-KR" altLang="en-US"/>
               <a:t>둘째 수준</a:t>
             </a:r>
           </a:p>
           <a:p>
             <a:pPr lvl="2"/>
             <a:r>
-              <a:rPr lang="ko-KR" altLang="en-US" smtClean="0"/>
+              <a:rPr lang="ko-KR" altLang="en-US"/>
               <a:t>셋째 수준</a:t>
             </a:r>
           </a:p>
           <a:p>
             <a:pPr lvl="3"/>
             <a:r>
-              <a:rPr lang="ko-KR" altLang="en-US" smtClean="0"/>
+              <a:rPr lang="ko-KR" altLang="en-US"/>
               <a:t>넷째 수준</a:t>
             </a:r>
           </a:p>
           <a:p>
             <a:pPr lvl="4"/>
             <a:r>
-              <a:rPr lang="ko-KR" altLang="en-US" smtClean="0"/>
+              <a:rPr lang="ko-KR" altLang="en-US"/>
               <a:t>다섯째 수준</a:t>
             </a:r>
-            <a:endParaRPr lang="ko-KR" altLang="en-US"/>
           </a:p>
         </p:txBody>
       </p:sp>
@@ -1749,7 +1750,7 @@
           <a:p>
             <a:fld id="{FB30EDBD-1C2D-4C1E-B459-B60219FAB484}" type="datetimeFigureOut">
               <a:rPr lang="ko-KR" altLang="en-US" smtClean="0"/>
-              <a:t>2020-09-13</a:t>
+              <a:t>2021-10-08</a:t>
             </a:fld>
             <a:endParaRPr lang="ko-KR" altLang="en-US"/>
           </a:p>
@@ -1838,10 +1839,9 @@
           <a:lstStyle/>
           <a:p>
             <a:r>
-              <a:rPr lang="ko-KR" altLang="en-US" smtClean="0"/>
+              <a:rPr lang="ko-KR" altLang="en-US"/>
               <a:t>마스터 제목 스타일 편집</a:t>
             </a:r>
-            <a:endParaRPr lang="ko-KR" altLang="en-US"/>
           </a:p>
         </p:txBody>
       </p:sp>
@@ -1862,7 +1862,7 @@
           <a:p>
             <a:fld id="{FB30EDBD-1C2D-4C1E-B459-B60219FAB484}" type="datetimeFigureOut">
               <a:rPr lang="ko-KR" altLang="en-US" smtClean="0"/>
-              <a:t>2020-09-13</a:t>
+              <a:t>2021-10-08</a:t>
             </a:fld>
             <a:endParaRPr lang="ko-KR" altLang="en-US"/>
           </a:p>
@@ -1952,7 +1952,7 @@
           <a:p>
             <a:fld id="{FB30EDBD-1C2D-4C1E-B459-B60219FAB484}" type="datetimeFigureOut">
               <a:rPr lang="ko-KR" altLang="en-US" smtClean="0"/>
-              <a:t>2020-09-13</a:t>
+              <a:t>2021-10-08</a:t>
             </a:fld>
             <a:endParaRPr lang="ko-KR" altLang="en-US"/>
           </a:p>
@@ -2050,10 +2050,9 @@
           </a:lstStyle>
           <a:p>
             <a:r>
-              <a:rPr lang="ko-KR" altLang="en-US" smtClean="0"/>
+              <a:rPr lang="ko-KR" altLang="en-US"/>
               <a:t>마스터 제목 스타일 편집</a:t>
             </a:r>
-            <a:endParaRPr lang="ko-KR" altLang="en-US"/>
           </a:p>
         </p:txBody>
       </p:sp>
@@ -2107,38 +2106,37 @@
           <a:p>
             <a:pPr lvl="0"/>
             <a:r>
-              <a:rPr lang="ko-KR" altLang="en-US" smtClean="0"/>
+              <a:rPr lang="ko-KR" altLang="en-US"/>
               <a:t>마스터 텍스트 스타일을 편집합니다</a:t>
             </a:r>
           </a:p>
           <a:p>
             <a:pPr lvl="1"/>
             <a:r>
-              <a:rPr lang="ko-KR" altLang="en-US" smtClean="0"/>
+              <a:rPr lang="ko-KR" altLang="en-US"/>
               <a:t>둘째 수준</a:t>
             </a:r>
           </a:p>
           <a:p>
             <a:pPr lvl="2"/>
             <a:r>
-              <a:rPr lang="ko-KR" altLang="en-US" smtClean="0"/>
+              <a:rPr lang="ko-KR" altLang="en-US"/>
               <a:t>셋째 수준</a:t>
             </a:r>
           </a:p>
           <a:p>
             <a:pPr lvl="3"/>
             <a:r>
-              <a:rPr lang="ko-KR" altLang="en-US" smtClean="0"/>
+              <a:rPr lang="ko-KR" altLang="en-US"/>
               <a:t>넷째 수준</a:t>
             </a:r>
           </a:p>
           <a:p>
             <a:pPr lvl="4"/>
             <a:r>
-              <a:rPr lang="ko-KR" altLang="en-US" smtClean="0"/>
+              <a:rPr lang="ko-KR" altLang="en-US"/>
               <a:t>다섯째 수준</a:t>
             </a:r>
-            <a:endParaRPr lang="ko-KR" altLang="en-US"/>
           </a:p>
         </p:txBody>
       </p:sp>
@@ -2201,7 +2199,7 @@
           <a:p>
             <a:pPr lvl="0"/>
             <a:r>
-              <a:rPr lang="ko-KR" altLang="en-US" smtClean="0"/>
+              <a:rPr lang="ko-KR" altLang="en-US"/>
               <a:t>마스터 텍스트 스타일을 편집합니다</a:t>
             </a:r>
           </a:p>
@@ -2224,7 +2222,7 @@
           <a:p>
             <a:fld id="{FB30EDBD-1C2D-4C1E-B459-B60219FAB484}" type="datetimeFigureOut">
               <a:rPr lang="ko-KR" altLang="en-US" smtClean="0"/>
-              <a:t>2020-09-13</a:t>
+              <a:t>2021-10-08</a:t>
             </a:fld>
             <a:endParaRPr lang="ko-KR" altLang="en-US"/>
           </a:p>
@@ -2322,10 +2320,9 @@
           </a:lstStyle>
           <a:p>
             <a:r>
-              <a:rPr lang="ko-KR" altLang="en-US" smtClean="0"/>
+              <a:rPr lang="ko-KR" altLang="en-US"/>
               <a:t>마스터 제목 스타일 편집</a:t>
             </a:r>
-            <a:endParaRPr lang="ko-KR" altLang="en-US"/>
           </a:p>
         </p:txBody>
       </p:sp>
@@ -2449,7 +2446,7 @@
           <a:p>
             <a:pPr lvl="0"/>
             <a:r>
-              <a:rPr lang="ko-KR" altLang="en-US" smtClean="0"/>
+              <a:rPr lang="ko-KR" altLang="en-US"/>
               <a:t>마스터 텍스트 스타일을 편집합니다</a:t>
             </a:r>
           </a:p>
@@ -2472,7 +2469,7 @@
           <a:p>
             <a:fld id="{FB30EDBD-1C2D-4C1E-B459-B60219FAB484}" type="datetimeFigureOut">
               <a:rPr lang="ko-KR" altLang="en-US" smtClean="0"/>
-              <a:t>2020-09-13</a:t>
+              <a:t>2021-10-08</a:t>
             </a:fld>
             <a:endParaRPr lang="ko-KR" altLang="en-US"/>
           </a:p>
@@ -2576,10 +2573,9 @@
           <a:lstStyle/>
           <a:p>
             <a:r>
-              <a:rPr lang="ko-KR" altLang="en-US" smtClean="0"/>
+              <a:rPr lang="ko-KR" altLang="en-US"/>
               <a:t>마스터 제목 스타일 편집</a:t>
             </a:r>
-            <a:endParaRPr lang="ko-KR" altLang="en-US"/>
           </a:p>
         </p:txBody>
       </p:sp>
@@ -2610,38 +2606,37 @@
           <a:p>
             <a:pPr lvl="0"/>
             <a:r>
-              <a:rPr lang="ko-KR" altLang="en-US" smtClean="0"/>
+              <a:rPr lang="ko-KR" altLang="en-US"/>
               <a:t>마스터 텍스트 스타일을 편집합니다</a:t>
             </a:r>
           </a:p>
           <a:p>
             <a:pPr lvl="1"/>
             <a:r>
-              <a:rPr lang="ko-KR" altLang="en-US" smtClean="0"/>
+              <a:rPr lang="ko-KR" altLang="en-US"/>
               <a:t>둘째 수준</a:t>
             </a:r>
           </a:p>
           <a:p>
             <a:pPr lvl="2"/>
             <a:r>
-              <a:rPr lang="ko-KR" altLang="en-US" smtClean="0"/>
+              <a:rPr lang="ko-KR" altLang="en-US"/>
               <a:t>셋째 수준</a:t>
             </a:r>
           </a:p>
           <a:p>
             <a:pPr lvl="3"/>
             <a:r>
-              <a:rPr lang="ko-KR" altLang="en-US" smtClean="0"/>
+              <a:rPr lang="ko-KR" altLang="en-US"/>
               <a:t>넷째 수준</a:t>
             </a:r>
           </a:p>
           <a:p>
             <a:pPr lvl="4"/>
             <a:r>
-              <a:rPr lang="ko-KR" altLang="en-US" smtClean="0"/>
+              <a:rPr lang="ko-KR" altLang="en-US"/>
               <a:t>다섯째 수준</a:t>
             </a:r>
-            <a:endParaRPr lang="ko-KR" altLang="en-US"/>
           </a:p>
         </p:txBody>
       </p:sp>
@@ -2680,7 +2675,7 @@
           <a:p>
             <a:fld id="{FB30EDBD-1C2D-4C1E-B459-B60219FAB484}" type="datetimeFigureOut">
               <a:rPr lang="ko-KR" altLang="en-US" smtClean="0"/>
-              <a:t>2020-09-13</a:t>
+              <a:t>2021-10-08</a:t>
             </a:fld>
             <a:endParaRPr lang="ko-KR" altLang="en-US"/>
           </a:p>
@@ -3076,7 +3071,7 @@
           <a:lstStyle/>
           <a:p>
             <a:r>
-              <a:rPr lang="en-US" altLang="ko-KR" sz="2800" dirty="0" smtClean="0">
+              <a:rPr lang="en-US" altLang="ko-KR" sz="2800" dirty="0">
                 <a:solidFill>
                   <a:schemeClr val="bg1"/>
                 </a:solidFill>
@@ -3086,7 +3081,7 @@
               <a:t>HTML5 3</a:t>
             </a:r>
             <a:r>
-              <a:rPr lang="ko-KR" altLang="en-US" sz="2800" dirty="0" smtClean="0">
+              <a:rPr lang="ko-KR" altLang="en-US" sz="2800" dirty="0">
                 <a:solidFill>
                   <a:schemeClr val="bg1"/>
                 </a:solidFill>
@@ -3095,55 +3090,31 @@
               </a:rPr>
               <a:t>강</a:t>
             </a:r>
-            <a:r>
-              <a:rPr lang="en-US" altLang="ko-KR" sz="2800" dirty="0" smtClean="0">
+            <a:br>
+              <a:rPr lang="en-US" altLang="ko-KR" sz="2800" dirty="0">
                 <a:solidFill>
                   <a:schemeClr val="bg1"/>
                 </a:solidFill>
                 <a:latin typeface="배달의민족 주아" pitchFamily="18" charset="-127"/>
                 <a:ea typeface="배달의민족 주아" pitchFamily="18" charset="-127"/>
               </a:rPr>
-              <a:t/>
-            </a:r>
+            </a:br>
             <a:br>
-              <a:rPr lang="en-US" altLang="ko-KR" sz="2800" dirty="0" smtClean="0">
-                <a:solidFill>
-                  <a:schemeClr val="bg1"/>
-                </a:solidFill>
+              <a:rPr lang="en-US" altLang="ko-KR" dirty="0">
                 <a:latin typeface="배달의민족 주아" pitchFamily="18" charset="-127"/>
                 <a:ea typeface="배달의민족 주아" pitchFamily="18" charset="-127"/>
               </a:rPr>
             </a:br>
             <a:r>
-              <a:rPr lang="en-US" altLang="ko-KR" dirty="0" smtClean="0">
+              <a:rPr lang="ko-KR" altLang="en-US" dirty="0">
+                <a:solidFill>
+                  <a:schemeClr val="bg1"/>
+                </a:solidFill>
                 <a:latin typeface="배달의민족 주아" pitchFamily="18" charset="-127"/>
                 <a:ea typeface="배달의민족 주아" pitchFamily="18" charset="-127"/>
               </a:rPr>
-              <a:t/>
-            </a:r>
-            <a:br>
-              <a:rPr lang="en-US" altLang="ko-KR" dirty="0" smtClean="0">
-                <a:latin typeface="배달의민족 주아" pitchFamily="18" charset="-127"/>
-                <a:ea typeface="배달의민족 주아" pitchFamily="18" charset="-127"/>
-              </a:rPr>
-            </a:br>
-            <a:r>
-              <a:rPr lang="ko-KR" altLang="en-US" dirty="0" smtClean="0">
-                <a:solidFill>
-                  <a:schemeClr val="bg1"/>
-                </a:solidFill>
-                <a:latin typeface="배달의민족 주아" pitchFamily="18" charset="-127"/>
-                <a:ea typeface="배달의민족 주아" pitchFamily="18" charset="-127"/>
-              </a:rPr>
               <a:t>멀티미디어관련 태그</a:t>
             </a:r>
-            <a:endParaRPr lang="ko-KR" altLang="en-US" dirty="0">
-              <a:solidFill>
-                <a:schemeClr val="bg1"/>
-              </a:solidFill>
-              <a:latin typeface="배달의민족 주아" pitchFamily="18" charset="-127"/>
-              <a:ea typeface="배달의민족 주아" pitchFamily="18" charset="-127"/>
-            </a:endParaRPr>
           </a:p>
         </p:txBody>
       </p:sp>
@@ -3264,7 +3235,7 @@
           </a:lstStyle>
           <a:p>
             <a:r>
-              <a:rPr lang="en-US" altLang="ko-KR" dirty="0" smtClean="0">
+              <a:rPr lang="en-US" altLang="ko-KR" dirty="0">
                 <a:solidFill>
                   <a:schemeClr val="bg1"/>
                 </a:solidFill>
@@ -3274,14 +3245,14 @@
               <a:t>S</a:t>
             </a:r>
             <a:r>
-              <a:rPr lang="en-US" altLang="ko-KR" dirty="0" smtClean="0">
+              <a:rPr lang="en-US" altLang="ko-KR" dirty="0">
                 <a:latin typeface="배달의민족 도현" pitchFamily="50" charset="-127"/>
                 <a:ea typeface="배달의민족 도현" pitchFamily="50" charset="-127"/>
               </a:rPr>
               <a:t>TART</a:t>
             </a:r>
             <a:r>
-              <a:rPr lang="en-US" altLang="ko-KR" dirty="0" smtClean="0">
+              <a:rPr lang="en-US" altLang="ko-KR" dirty="0">
                 <a:solidFill>
                   <a:schemeClr val="bg1"/>
                 </a:solidFill>
@@ -3291,7 +3262,7 @@
               <a:t>C</a:t>
             </a:r>
             <a:r>
-              <a:rPr lang="en-US" altLang="ko-KR" dirty="0" smtClean="0">
+              <a:rPr lang="en-US" altLang="ko-KR" dirty="0">
                 <a:latin typeface="배달의민족 도현" pitchFamily="50" charset="-127"/>
                 <a:ea typeface="배달의민족 도현" pitchFamily="50" charset="-127"/>
               </a:rPr>
@@ -3314,13 +3285,6 @@
   <p:clrMapOvr>
     <a:masterClrMapping/>
   </p:clrMapOvr>
-  <p:timing>
-    <p:tnLst>
-      <p:par>
-        <p:cTn id="1" dur="indefinite" restart="never" nodeType="tmRoot"/>
-      </p:par>
-    </p:tnLst>
-  </p:timing>
 </p:sld>
 </file>
 
@@ -3380,57 +3344,53 @@
           </a:lstStyle>
           <a:p>
             <a:r>
-              <a:rPr lang="en-US" altLang="ko-KR" dirty="0" smtClean="0">
+              <a:rPr lang="en-US" altLang="ko-KR" dirty="0">
                 <a:latin typeface="배달의민족 주아" pitchFamily="18" charset="-127"/>
                 <a:ea typeface="배달의민족 주아" pitchFamily="18" charset="-127"/>
               </a:rPr>
               <a:t>HTML </a:t>
             </a:r>
             <a:r>
-              <a:rPr lang="ko-KR" altLang="en-US" dirty="0" err="1" smtClean="0">
+              <a:rPr lang="ko-KR" altLang="en-US" dirty="0" err="1">
                 <a:latin typeface="배달의민족 주아" pitchFamily="18" charset="-127"/>
                 <a:ea typeface="배달의민족 주아" pitchFamily="18" charset="-127"/>
               </a:rPr>
               <a:t>문서안에</a:t>
             </a:r>
             <a:r>
-              <a:rPr lang="ko-KR" altLang="en-US" dirty="0" smtClean="0">
+              <a:rPr lang="ko-KR" altLang="en-US" dirty="0">
                 <a:latin typeface="배달의민족 주아" pitchFamily="18" charset="-127"/>
                 <a:ea typeface="배달의민족 주아" pitchFamily="18" charset="-127"/>
               </a:rPr>
               <a:t> </a:t>
             </a:r>
-            <a:endParaRPr lang="en-US" altLang="ko-KR" dirty="0" smtClean="0">
+            <a:endParaRPr lang="en-US" altLang="ko-KR" dirty="0">
               <a:latin typeface="배달의민족 주아" pitchFamily="18" charset="-127"/>
               <a:ea typeface="배달의민족 주아" pitchFamily="18" charset="-127"/>
             </a:endParaRPr>
           </a:p>
           <a:p>
             <a:r>
-              <a:rPr lang="ko-KR" altLang="en-US" dirty="0" smtClean="0">
+              <a:rPr lang="ko-KR" altLang="en-US" dirty="0">
                 <a:latin typeface="배달의민족 주아" pitchFamily="18" charset="-127"/>
                 <a:ea typeface="배달의민족 주아" pitchFamily="18" charset="-127"/>
               </a:rPr>
               <a:t>또 다른 </a:t>
             </a:r>
             <a:r>
-              <a:rPr lang="en-US" altLang="ko-KR" dirty="0" smtClean="0">
+              <a:rPr lang="en-US" altLang="ko-KR" dirty="0">
                 <a:latin typeface="배달의민족 주아" pitchFamily="18" charset="-127"/>
                 <a:ea typeface="배달의민족 주아" pitchFamily="18" charset="-127"/>
               </a:rPr>
               <a:t>HTML</a:t>
             </a:r>
             <a:r>
-              <a:rPr lang="ko-KR" altLang="en-US" dirty="0" smtClean="0">
+              <a:rPr lang="ko-KR" altLang="en-US" dirty="0">
                 <a:latin typeface="배달의민족 주아" pitchFamily="18" charset="-127"/>
                 <a:ea typeface="배달의민족 주아" pitchFamily="18" charset="-127"/>
               </a:rPr>
               <a:t>문서를 넣는다</a:t>
             </a:r>
-            <a:endParaRPr lang="ko-KR" altLang="en-US" dirty="0">
-              <a:latin typeface="배달의민족 주아" pitchFamily="18" charset="-127"/>
-              <a:ea typeface="배달의민족 주아" pitchFamily="18" charset="-127"/>
-            </a:endParaRPr>
           </a:p>
         </p:txBody>
       </p:sp>
@@ -3473,7 +3433,7 @@
           </a:lstStyle>
           <a:p>
             <a:r>
-              <a:rPr lang="ko-KR" altLang="en-US" sz="3600" dirty="0" err="1" smtClean="0">
+              <a:rPr lang="ko-KR" altLang="en-US" sz="3600" dirty="0" err="1">
                 <a:solidFill>
                   <a:schemeClr val="accent5"/>
                 </a:solidFill>
@@ -3483,7 +3443,7 @@
               <a:t>유튜브</a:t>
             </a:r>
             <a:r>
-              <a:rPr lang="ko-KR" altLang="en-US" sz="3600" dirty="0" smtClean="0">
+              <a:rPr lang="ko-KR" altLang="en-US" sz="3600" dirty="0">
                 <a:solidFill>
                   <a:schemeClr val="accent5"/>
                 </a:solidFill>
@@ -3492,7 +3452,7 @@
               </a:rPr>
               <a:t> 동영상 추가하기</a:t>
             </a:r>
-            <a:endParaRPr lang="en-US" altLang="ko-KR" sz="3600" dirty="0" smtClean="0">
+            <a:endParaRPr lang="en-US" altLang="ko-KR" sz="3600" dirty="0">
               <a:solidFill>
                 <a:schemeClr val="accent5"/>
               </a:solidFill>
@@ -3502,7 +3462,7 @@
           </a:p>
           <a:p>
             <a:r>
-              <a:rPr lang="ko-KR" altLang="en-US" sz="3600" dirty="0" err="1" smtClean="0">
+              <a:rPr lang="ko-KR" altLang="en-US" sz="3600" dirty="0" err="1">
                 <a:solidFill>
                   <a:schemeClr val="accent5"/>
                 </a:solidFill>
@@ -3512,7 +3472,7 @@
               <a:t>구글</a:t>
             </a:r>
             <a:r>
-              <a:rPr lang="ko-KR" altLang="en-US" sz="3600" dirty="0" smtClean="0">
+              <a:rPr lang="ko-KR" altLang="en-US" sz="3600" dirty="0">
                 <a:solidFill>
                   <a:schemeClr val="accent5"/>
                 </a:solidFill>
@@ -3522,7 +3482,7 @@
               <a:t> </a:t>
             </a:r>
             <a:r>
-              <a:rPr lang="ko-KR" altLang="en-US" sz="3600" smtClean="0">
+              <a:rPr lang="ko-KR" altLang="en-US" sz="3600">
                 <a:solidFill>
                   <a:schemeClr val="accent5"/>
                 </a:solidFill>
@@ -3531,7 +3491,7 @@
               </a:rPr>
               <a:t>지도 추가하기</a:t>
             </a:r>
-            <a:endParaRPr lang="en-US" altLang="ko-KR" sz="3600" dirty="0" smtClean="0">
+            <a:endParaRPr lang="en-US" altLang="ko-KR" sz="3600" dirty="0">
               <a:solidFill>
                 <a:schemeClr val="accent5"/>
               </a:solidFill>
@@ -3658,7 +3618,7 @@
           </a:lstStyle>
           <a:p>
             <a:r>
-              <a:rPr lang="en-US" altLang="ko-KR" dirty="0" smtClean="0">
+              <a:rPr lang="en-US" altLang="ko-KR" dirty="0">
                 <a:solidFill>
                   <a:schemeClr val="accent5"/>
                 </a:solidFill>
@@ -3668,14 +3628,14 @@
               <a:t>S</a:t>
             </a:r>
             <a:r>
-              <a:rPr lang="en-US" altLang="ko-KR" dirty="0" smtClean="0">
+              <a:rPr lang="en-US" altLang="ko-KR" dirty="0">
                 <a:latin typeface="배달의민족 도현" pitchFamily="50" charset="-127"/>
                 <a:ea typeface="배달의민족 도현" pitchFamily="50" charset="-127"/>
               </a:rPr>
               <a:t>TART</a:t>
             </a:r>
             <a:r>
-              <a:rPr lang="en-US" altLang="ko-KR" dirty="0" smtClean="0">
+              <a:rPr lang="en-US" altLang="ko-KR" dirty="0">
                 <a:solidFill>
                   <a:schemeClr val="accent5"/>
                 </a:solidFill>
@@ -3685,7 +3645,7 @@
               <a:t>C</a:t>
             </a:r>
             <a:r>
-              <a:rPr lang="en-US" altLang="ko-KR" dirty="0" smtClean="0">
+              <a:rPr lang="en-US" altLang="ko-KR" dirty="0">
                 <a:latin typeface="배달의민족 도현" pitchFamily="50" charset="-127"/>
                 <a:ea typeface="배달의민족 도현" pitchFamily="50" charset="-127"/>
               </a:rPr>
@@ -3853,7 +3813,7 @@
           </a:lstStyle>
           <a:p>
             <a:r>
-              <a:rPr lang="en-US" altLang="ko-KR" dirty="0" smtClean="0">
+              <a:rPr lang="en-US" altLang="ko-KR" dirty="0">
                 <a:latin typeface="배달의민족 주아" pitchFamily="18" charset="-127"/>
                 <a:ea typeface="배달의민족 주아" pitchFamily="18" charset="-127"/>
               </a:rPr>
@@ -3862,23 +3822,19 @@
           </a:p>
           <a:p>
             <a:r>
-              <a:rPr lang="ko-KR" altLang="en-US" dirty="0" err="1" smtClean="0">
+              <a:rPr lang="ko-KR" altLang="en-US" dirty="0" err="1">
                 <a:latin typeface="배달의민족 주아" pitchFamily="18" charset="-127"/>
                 <a:ea typeface="배달의민족 주아" pitchFamily="18" charset="-127"/>
               </a:rPr>
               <a:t>유튜브</a:t>
             </a:r>
             <a:r>
-              <a:rPr lang="ko-KR" altLang="en-US" dirty="0" smtClean="0">
+              <a:rPr lang="ko-KR" altLang="en-US" dirty="0">
                 <a:latin typeface="배달의민족 주아" pitchFamily="18" charset="-127"/>
                 <a:ea typeface="배달의민족 주아" pitchFamily="18" charset="-127"/>
               </a:rPr>
               <a:t> 동영상 추가하기</a:t>
             </a:r>
-            <a:endParaRPr lang="ko-KR" altLang="en-US" dirty="0">
-              <a:latin typeface="배달의민족 주아" pitchFamily="18" charset="-127"/>
-              <a:ea typeface="배달의민족 주아" pitchFamily="18" charset="-127"/>
-            </a:endParaRPr>
           </a:p>
         </p:txBody>
       </p:sp>
@@ -3920,7 +3876,7 @@
             </a:lvl1pPr>
           </a:lstStyle>
           <a:p>
-            <a:endParaRPr lang="en-US" altLang="ko-KR" sz="3600" dirty="0" smtClean="0">
+            <a:endParaRPr lang="en-US" altLang="ko-KR" sz="3600" dirty="0">
               <a:solidFill>
                 <a:schemeClr val="accent5"/>
               </a:solidFill>
@@ -4047,7 +4003,7 @@
           </a:lstStyle>
           <a:p>
             <a:r>
-              <a:rPr lang="en-US" altLang="ko-KR" dirty="0" smtClean="0">
+              <a:rPr lang="en-US" altLang="ko-KR" dirty="0">
                 <a:solidFill>
                   <a:schemeClr val="accent5"/>
                 </a:solidFill>
@@ -4057,14 +4013,14 @@
               <a:t>S</a:t>
             </a:r>
             <a:r>
-              <a:rPr lang="en-US" altLang="ko-KR" dirty="0" smtClean="0">
+              <a:rPr lang="en-US" altLang="ko-KR" dirty="0">
                 <a:latin typeface="배달의민족 도현" pitchFamily="50" charset="-127"/>
                 <a:ea typeface="배달의민족 도현" pitchFamily="50" charset="-127"/>
               </a:rPr>
               <a:t>TART</a:t>
             </a:r>
             <a:r>
-              <a:rPr lang="en-US" altLang="ko-KR" dirty="0" smtClean="0">
+              <a:rPr lang="en-US" altLang="ko-KR" dirty="0">
                 <a:solidFill>
                   <a:schemeClr val="accent5"/>
                 </a:solidFill>
@@ -4074,7 +4030,7 @@
               <a:t>C</a:t>
             </a:r>
             <a:r>
-              <a:rPr lang="en-US" altLang="ko-KR" dirty="0" smtClean="0">
+              <a:rPr lang="en-US" altLang="ko-KR" dirty="0">
                 <a:latin typeface="배달의민족 도현" pitchFamily="50" charset="-127"/>
                 <a:ea typeface="배달의민족 도현" pitchFamily="50" charset="-127"/>
               </a:rPr>
@@ -4246,7 +4202,7 @@
             </a:lvl1pPr>
           </a:lstStyle>
           <a:p>
-            <a:endParaRPr lang="en-US" altLang="ko-KR" sz="3600" dirty="0" smtClean="0">
+            <a:endParaRPr lang="en-US" altLang="ko-KR" sz="3600" dirty="0">
               <a:solidFill>
                 <a:schemeClr val="accent5"/>
               </a:solidFill>
@@ -4373,7 +4329,7 @@
           </a:lstStyle>
           <a:p>
             <a:r>
-              <a:rPr lang="en-US" altLang="ko-KR" dirty="0" smtClean="0">
+              <a:rPr lang="en-US" altLang="ko-KR" dirty="0">
                 <a:solidFill>
                   <a:schemeClr val="accent5"/>
                 </a:solidFill>
@@ -4383,14 +4339,14 @@
               <a:t>S</a:t>
             </a:r>
             <a:r>
-              <a:rPr lang="en-US" altLang="ko-KR" dirty="0" smtClean="0">
+              <a:rPr lang="en-US" altLang="ko-KR" dirty="0">
                 <a:latin typeface="배달의민족 도현" pitchFamily="50" charset="-127"/>
                 <a:ea typeface="배달의민족 도현" pitchFamily="50" charset="-127"/>
               </a:rPr>
               <a:t>TART</a:t>
             </a:r>
             <a:r>
-              <a:rPr lang="en-US" altLang="ko-KR" dirty="0" smtClean="0">
+              <a:rPr lang="en-US" altLang="ko-KR" dirty="0">
                 <a:solidFill>
                   <a:schemeClr val="accent5"/>
                 </a:solidFill>
@@ -4400,7 +4356,7 @@
               <a:t>C</a:t>
             </a:r>
             <a:r>
-              <a:rPr lang="en-US" altLang="ko-KR" dirty="0" smtClean="0">
+              <a:rPr lang="en-US" altLang="ko-KR" dirty="0">
                 <a:latin typeface="배달의민족 도현" pitchFamily="50" charset="-127"/>
                 <a:ea typeface="배달의민족 도현" pitchFamily="50" charset="-127"/>
               </a:rPr>
@@ -4799,7 +4755,7 @@
           </a:lstStyle>
           <a:p>
             <a:r>
-              <a:rPr lang="en-US" altLang="ko-KR" dirty="0" smtClean="0">
+              <a:rPr lang="en-US" altLang="ko-KR" dirty="0">
                 <a:solidFill>
                   <a:schemeClr val="accent5"/>
                 </a:solidFill>
@@ -4809,14 +4765,14 @@
               <a:t>S</a:t>
             </a:r>
             <a:r>
-              <a:rPr lang="en-US" altLang="ko-KR" dirty="0" smtClean="0">
+              <a:rPr lang="en-US" altLang="ko-KR" dirty="0">
                 <a:latin typeface="배달의민족 도현" pitchFamily="50" charset="-127"/>
                 <a:ea typeface="배달의민족 도현" pitchFamily="50" charset="-127"/>
               </a:rPr>
               <a:t>TART</a:t>
             </a:r>
             <a:r>
-              <a:rPr lang="en-US" altLang="ko-KR" dirty="0" smtClean="0">
+              <a:rPr lang="en-US" altLang="ko-KR" dirty="0">
                 <a:solidFill>
                   <a:schemeClr val="accent5"/>
                 </a:solidFill>
@@ -4826,7 +4782,7 @@
               <a:t>C</a:t>
             </a:r>
             <a:r>
-              <a:rPr lang="en-US" altLang="ko-KR" dirty="0" smtClean="0">
+              <a:rPr lang="en-US" altLang="ko-KR" dirty="0">
                 <a:latin typeface="배달의민족 도현" pitchFamily="50" charset="-127"/>
                 <a:ea typeface="배달의민족 도현" pitchFamily="50" charset="-127"/>
               </a:rPr>
@@ -4932,13 +4888,6 @@
   <p:clrMapOvr>
     <a:masterClrMapping/>
   </p:clrMapOvr>
-  <p:timing>
-    <p:tnLst>
-      <p:par>
-        <p:cTn id="1" dur="indefinite" restart="never" nodeType="tmRoot"/>
-      </p:par>
-    </p:tnLst>
-  </p:timing>
 </p:sld>
 </file>
 
@@ -5076,7 +5025,7 @@
           </a:lstStyle>
           <a:p>
             <a:r>
-              <a:rPr lang="en-US" altLang="ko-KR" dirty="0" smtClean="0">
+              <a:rPr lang="en-US" altLang="ko-KR" dirty="0">
                 <a:solidFill>
                   <a:schemeClr val="accent5"/>
                 </a:solidFill>
@@ -5086,14 +5035,14 @@
               <a:t>S</a:t>
             </a:r>
             <a:r>
-              <a:rPr lang="en-US" altLang="ko-KR" dirty="0" smtClean="0">
+              <a:rPr lang="en-US" altLang="ko-KR" dirty="0">
                 <a:latin typeface="배달의민족 도현" pitchFamily="50" charset="-127"/>
                 <a:ea typeface="배달의민족 도현" pitchFamily="50" charset="-127"/>
               </a:rPr>
               <a:t>TART</a:t>
             </a:r>
             <a:r>
-              <a:rPr lang="en-US" altLang="ko-KR" dirty="0" smtClean="0">
+              <a:rPr lang="en-US" altLang="ko-KR" dirty="0">
                 <a:solidFill>
                   <a:schemeClr val="accent5"/>
                 </a:solidFill>
@@ -5103,7 +5052,7 @@
               <a:t>C</a:t>
             </a:r>
             <a:r>
-              <a:rPr lang="en-US" altLang="ko-KR" dirty="0" smtClean="0">
+              <a:rPr lang="en-US" altLang="ko-KR" dirty="0">
                 <a:latin typeface="배달의민족 도현" pitchFamily="50" charset="-127"/>
                 <a:ea typeface="배달의민족 도현" pitchFamily="50" charset="-127"/>
               </a:rPr>
@@ -5279,13 +5228,6 @@
   <p:clrMapOvr>
     <a:masterClrMapping/>
   </p:clrMapOvr>
-  <p:timing>
-    <p:tnLst>
-      <p:par>
-        <p:cTn id="1" dur="indefinite" restart="never" nodeType="tmRoot"/>
-      </p:par>
-    </p:tnLst>
-  </p:timing>
 </p:sld>
 </file>
 
@@ -5423,7 +5365,7 @@
           </a:lstStyle>
           <a:p>
             <a:r>
-              <a:rPr lang="en-US" altLang="ko-KR" dirty="0" smtClean="0">
+              <a:rPr lang="en-US" altLang="ko-KR" dirty="0">
                 <a:solidFill>
                   <a:schemeClr val="accent5"/>
                 </a:solidFill>
@@ -5433,14 +5375,14 @@
               <a:t>S</a:t>
             </a:r>
             <a:r>
-              <a:rPr lang="en-US" altLang="ko-KR" dirty="0" smtClean="0">
+              <a:rPr lang="en-US" altLang="ko-KR" dirty="0">
                 <a:latin typeface="배달의민족 도현" pitchFamily="50" charset="-127"/>
                 <a:ea typeface="배달의민족 도현" pitchFamily="50" charset="-127"/>
               </a:rPr>
               <a:t>TART</a:t>
             </a:r>
             <a:r>
-              <a:rPr lang="en-US" altLang="ko-KR" dirty="0" smtClean="0">
+              <a:rPr lang="en-US" altLang="ko-KR" dirty="0">
                 <a:solidFill>
                   <a:schemeClr val="accent5"/>
                 </a:solidFill>
@@ -5450,7 +5392,7 @@
               <a:t>C</a:t>
             </a:r>
             <a:r>
-              <a:rPr lang="en-US" altLang="ko-KR" dirty="0" smtClean="0">
+              <a:rPr lang="en-US" altLang="ko-KR" dirty="0">
                 <a:latin typeface="배달의민족 도현" pitchFamily="50" charset="-127"/>
                 <a:ea typeface="배달의민족 도현" pitchFamily="50" charset="-127"/>
               </a:rPr>
@@ -5583,13 +5525,6 @@
   <p:clrMapOvr>
     <a:masterClrMapping/>
   </p:clrMapOvr>
-  <p:timing>
-    <p:tnLst>
-      <p:par>
-        <p:cTn id="1" dur="indefinite" restart="never" nodeType="tmRoot"/>
-      </p:par>
-    </p:tnLst>
-  </p:timing>
 </p:sld>
 </file>
 
@@ -5649,16 +5584,12 @@
           </a:lstStyle>
           <a:p>
             <a:r>
-              <a:rPr lang="ko-KR" altLang="en-US" dirty="0" smtClean="0">
+              <a:rPr lang="ko-KR" altLang="en-US" dirty="0">
                 <a:latin typeface="배달의민족 주아" pitchFamily="18" charset="-127"/>
                 <a:ea typeface="배달의민족 주아" pitchFamily="18" charset="-127"/>
               </a:rPr>
               <a:t>감사합니다</a:t>
             </a:r>
-            <a:endParaRPr lang="ko-KR" altLang="en-US" dirty="0">
-              <a:latin typeface="배달의민족 주아" pitchFamily="18" charset="-127"/>
-              <a:ea typeface="배달의민족 주아" pitchFamily="18" charset="-127"/>
-            </a:endParaRPr>
           </a:p>
         </p:txBody>
       </p:sp>
@@ -5779,7 +5710,7 @@
           </a:lstStyle>
           <a:p>
             <a:r>
-              <a:rPr lang="en-US" altLang="ko-KR" dirty="0" smtClean="0">
+              <a:rPr lang="en-US" altLang="ko-KR" dirty="0">
                 <a:solidFill>
                   <a:schemeClr val="accent5"/>
                 </a:solidFill>
@@ -5789,14 +5720,14 @@
               <a:t>S</a:t>
             </a:r>
             <a:r>
-              <a:rPr lang="en-US" altLang="ko-KR" dirty="0" smtClean="0">
+              <a:rPr lang="en-US" altLang="ko-KR" dirty="0">
                 <a:latin typeface="배달의민족 도현" pitchFamily="50" charset="-127"/>
                 <a:ea typeface="배달의민족 도현" pitchFamily="50" charset="-127"/>
               </a:rPr>
               <a:t>TART</a:t>
             </a:r>
             <a:r>
-              <a:rPr lang="en-US" altLang="ko-KR" dirty="0" smtClean="0">
+              <a:rPr lang="en-US" altLang="ko-KR" dirty="0">
                 <a:solidFill>
                   <a:schemeClr val="accent5"/>
                 </a:solidFill>
@@ -5806,7 +5737,7 @@
               <a:t>C</a:t>
             </a:r>
             <a:r>
-              <a:rPr lang="en-US" altLang="ko-KR" dirty="0" smtClean="0">
+              <a:rPr lang="en-US" altLang="ko-KR" dirty="0">
                 <a:latin typeface="배달의민족 도현" pitchFamily="50" charset="-127"/>
                 <a:ea typeface="배달의민족 도현" pitchFamily="50" charset="-127"/>
               </a:rPr>
@@ -5829,13 +5760,6 @@
   <p:clrMapOvr>
     <a:masterClrMapping/>
   </p:clrMapOvr>
-  <p:timing>
-    <p:tnLst>
-      <p:par>
-        <p:cTn id="1" dur="indefinite" restart="never" nodeType="tmRoot"/>
-      </p:par>
-    </p:tnLst>
-  </p:timing>
 </p:sld>
 </file>
 
@@ -5872,23 +5796,19 @@
           <a:lstStyle/>
           <a:p>
             <a:r>
-              <a:rPr lang="en-US" altLang="ko-KR" dirty="0" smtClean="0">
+              <a:rPr lang="en-US" altLang="ko-KR" dirty="0">
                 <a:latin typeface="배달의민족 주아" pitchFamily="18" charset="-127"/>
                 <a:ea typeface="배달의민족 주아" pitchFamily="18" charset="-127"/>
               </a:rPr>
               <a:t>image </a:t>
             </a:r>
             <a:r>
-              <a:rPr lang="ko-KR" altLang="en-US" dirty="0" smtClean="0">
+              <a:rPr lang="ko-KR" altLang="en-US" dirty="0">
                 <a:latin typeface="배달의민족 주아" pitchFamily="18" charset="-127"/>
                 <a:ea typeface="배달의민족 주아" pitchFamily="18" charset="-127"/>
               </a:rPr>
               <a:t>태그</a:t>
             </a:r>
-            <a:endParaRPr lang="ko-KR" altLang="en-US" dirty="0">
-              <a:latin typeface="배달의민족 주아" pitchFamily="18" charset="-127"/>
-              <a:ea typeface="배달의민족 주아" pitchFamily="18" charset="-127"/>
-            </a:endParaRPr>
           </a:p>
         </p:txBody>
       </p:sp>
@@ -6009,7 +5929,7 @@
           </a:lstStyle>
           <a:p>
             <a:r>
-              <a:rPr lang="en-US" altLang="ko-KR" dirty="0" smtClean="0">
+              <a:rPr lang="en-US" altLang="ko-KR" dirty="0">
                 <a:solidFill>
                   <a:schemeClr val="accent5"/>
                 </a:solidFill>
@@ -6019,14 +5939,14 @@
               <a:t>S</a:t>
             </a:r>
             <a:r>
-              <a:rPr lang="en-US" altLang="ko-KR" dirty="0" smtClean="0">
+              <a:rPr lang="en-US" altLang="ko-KR" dirty="0">
                 <a:latin typeface="배달의민족 도현" pitchFamily="50" charset="-127"/>
                 <a:ea typeface="배달의민족 도현" pitchFamily="50" charset="-127"/>
               </a:rPr>
               <a:t>TART</a:t>
             </a:r>
             <a:r>
-              <a:rPr lang="en-US" altLang="ko-KR" dirty="0" smtClean="0">
+              <a:rPr lang="en-US" altLang="ko-KR" dirty="0">
                 <a:solidFill>
                   <a:schemeClr val="accent5"/>
                 </a:solidFill>
@@ -6036,7 +5956,7 @@
               <a:t>C</a:t>
             </a:r>
             <a:r>
-              <a:rPr lang="en-US" altLang="ko-KR" dirty="0" smtClean="0">
+              <a:rPr lang="en-US" altLang="ko-KR" dirty="0">
                 <a:latin typeface="배달의민족 도현" pitchFamily="50" charset="-127"/>
                 <a:ea typeface="배달의민족 도현" pitchFamily="50" charset="-127"/>
               </a:rPr>
@@ -6059,13 +5979,6 @@
   <p:clrMapOvr>
     <a:masterClrMapping/>
   </p:clrMapOvr>
-  <p:timing>
-    <p:tnLst>
-      <p:par>
-        <p:cTn id="1" dur="indefinite" restart="never" nodeType="tmRoot"/>
-      </p:par>
-    </p:tnLst>
-  </p:timing>
 </p:sld>
 </file>
 
@@ -6102,49 +6015,49 @@
           <a:lstStyle/>
           <a:p>
             <a:r>
-              <a:rPr lang="en-US" altLang="ko-KR" dirty="0" smtClean="0">
+              <a:rPr lang="en-US" altLang="ko-KR" dirty="0">
                 <a:latin typeface="배달의민족 주아" pitchFamily="18" charset="-127"/>
                 <a:ea typeface="배달의민족 주아" pitchFamily="18" charset="-127"/>
               </a:rPr>
               <a:t>&lt;</a:t>
             </a:r>
             <a:r>
-              <a:rPr lang="en-US" altLang="ko-KR" dirty="0" err="1" smtClean="0">
+              <a:rPr lang="en-US" altLang="ko-KR" dirty="0" err="1">
                 <a:latin typeface="배달의민족 주아" pitchFamily="18" charset="-127"/>
                 <a:ea typeface="배달의민족 주아" pitchFamily="18" charset="-127"/>
               </a:rPr>
               <a:t>img</a:t>
             </a:r>
             <a:r>
-              <a:rPr lang="en-US" altLang="ko-KR" dirty="0" smtClean="0">
+              <a:rPr lang="en-US" altLang="ko-KR" dirty="0">
                 <a:latin typeface="배달의민족 주아" pitchFamily="18" charset="-127"/>
                 <a:ea typeface="배달의민족 주아" pitchFamily="18" charset="-127"/>
               </a:rPr>
               <a:t> </a:t>
             </a:r>
             <a:r>
-              <a:rPr lang="en-US" altLang="ko-KR" dirty="0" err="1" smtClean="0">
+              <a:rPr lang="en-US" altLang="ko-KR" dirty="0" err="1">
                 <a:latin typeface="배달의민족 주아" pitchFamily="18" charset="-127"/>
                 <a:ea typeface="배달의민족 주아" pitchFamily="18" charset="-127"/>
               </a:rPr>
               <a:t>src</a:t>
             </a:r>
             <a:r>
-              <a:rPr lang="en-US" altLang="ko-KR" dirty="0" smtClean="0">
+              <a:rPr lang="en-US" altLang="ko-KR" dirty="0">
                 <a:latin typeface="배달의민족 주아" pitchFamily="18" charset="-127"/>
                 <a:ea typeface="배달의민족 주아" pitchFamily="18" charset="-127"/>
               </a:rPr>
               <a:t>=“”</a:t>
             </a:r>
             <a:r>
-              <a:rPr lang="ko-KR" altLang="en-US" dirty="0" smtClean="0">
+              <a:rPr lang="ko-KR" altLang="en-US" dirty="0">
                 <a:latin typeface="배달의민족 주아" pitchFamily="18" charset="-127"/>
                 <a:ea typeface="배달의민족 주아" pitchFamily="18" charset="-127"/>
               </a:rPr>
               <a:t>이미지주소</a:t>
             </a:r>
             <a:r>
-              <a:rPr lang="en-US" altLang="ko-KR" dirty="0" smtClean="0">
+              <a:rPr lang="en-US" altLang="ko-KR" dirty="0">
                 <a:latin typeface="배달의민족 주아" pitchFamily="18" charset="-127"/>
                 <a:ea typeface="배달의민족 주아" pitchFamily="18" charset="-127"/>
               </a:rPr>
@@ -6196,7 +6109,7 @@
           </a:lstStyle>
           <a:p>
             <a:r>
-              <a:rPr lang="ko-KR" altLang="en-US" sz="3600" dirty="0" smtClean="0">
+              <a:rPr lang="ko-KR" altLang="en-US" sz="3600" dirty="0">
                 <a:solidFill>
                   <a:schemeClr val="accent5"/>
                 </a:solidFill>
@@ -6206,20 +6119,20 @@
               <a:t>이미지</a:t>
             </a:r>
             <a:r>
-              <a:rPr lang="ko-KR" altLang="en-US" sz="3600" dirty="0" smtClean="0">
+              <a:rPr lang="ko-KR" altLang="en-US" sz="3600" dirty="0">
                 <a:latin typeface="배달의민족 주아" pitchFamily="18" charset="-127"/>
                 <a:ea typeface="배달의민족 주아" pitchFamily="18" charset="-127"/>
               </a:rPr>
               <a:t>를 나타내는 태그</a:t>
             </a:r>
-            <a:endParaRPr lang="en-US" altLang="ko-KR" sz="3600" dirty="0" smtClean="0">
+            <a:endParaRPr lang="en-US" altLang="ko-KR" sz="3600" dirty="0">
               <a:latin typeface="배달의민족 주아" pitchFamily="18" charset="-127"/>
               <a:ea typeface="배달의민족 주아" pitchFamily="18" charset="-127"/>
             </a:endParaRPr>
           </a:p>
           <a:p>
             <a:r>
-              <a:rPr lang="ko-KR" altLang="en-US" sz="3600" dirty="0" err="1" smtClean="0">
+              <a:rPr lang="ko-KR" altLang="en-US" sz="3600" dirty="0" err="1">
                 <a:solidFill>
                   <a:schemeClr val="accent5"/>
                 </a:solidFill>
@@ -6229,7 +6142,7 @@
               <a:t>빈태그</a:t>
             </a:r>
             <a:r>
-              <a:rPr lang="en-US" altLang="ko-KR" sz="3600" dirty="0" smtClean="0">
+              <a:rPr lang="en-US" altLang="ko-KR" sz="3600" dirty="0">
                 <a:latin typeface="배달의민족 주아" pitchFamily="18" charset="-127"/>
                 <a:ea typeface="배달의민족 주아" pitchFamily="18" charset="-127"/>
               </a:rPr>
@@ -6355,7 +6268,7 @@
           </a:lstStyle>
           <a:p>
             <a:r>
-              <a:rPr lang="en-US" altLang="ko-KR" dirty="0" smtClean="0">
+              <a:rPr lang="en-US" altLang="ko-KR" dirty="0">
                 <a:solidFill>
                   <a:schemeClr val="accent5"/>
                 </a:solidFill>
@@ -6365,14 +6278,14 @@
               <a:t>S</a:t>
             </a:r>
             <a:r>
-              <a:rPr lang="en-US" altLang="ko-KR" dirty="0" smtClean="0">
+              <a:rPr lang="en-US" altLang="ko-KR" dirty="0">
                 <a:latin typeface="배달의민족 도현" pitchFamily="50" charset="-127"/>
                 <a:ea typeface="배달의민족 도현" pitchFamily="50" charset="-127"/>
               </a:rPr>
               <a:t>TART</a:t>
             </a:r>
             <a:r>
-              <a:rPr lang="en-US" altLang="ko-KR" dirty="0" smtClean="0">
+              <a:rPr lang="en-US" altLang="ko-KR" dirty="0">
                 <a:solidFill>
                   <a:schemeClr val="accent5"/>
                 </a:solidFill>
@@ -6382,7 +6295,7 @@
               <a:t>C</a:t>
             </a:r>
             <a:r>
-              <a:rPr lang="en-US" altLang="ko-KR" dirty="0" smtClean="0">
+              <a:rPr lang="en-US" altLang="ko-KR" dirty="0">
                 <a:latin typeface="배달의민족 도현" pitchFamily="50" charset="-127"/>
                 <a:ea typeface="배달의민족 도현" pitchFamily="50" charset="-127"/>
               </a:rPr>
@@ -6529,56 +6442,56 @@
           <a:lstStyle/>
           <a:p>
             <a:r>
-              <a:rPr lang="en-US" altLang="ko-KR" dirty="0" smtClean="0">
+              <a:rPr lang="en-US" altLang="ko-KR" dirty="0">
                 <a:latin typeface="배달의민족 주아" pitchFamily="18" charset="-127"/>
                 <a:ea typeface="배달의민족 주아" pitchFamily="18" charset="-127"/>
               </a:rPr>
               <a:t>&lt;</a:t>
             </a:r>
             <a:r>
-              <a:rPr lang="en-US" altLang="ko-KR" dirty="0" err="1" smtClean="0">
+              <a:rPr lang="en-US" altLang="ko-KR" dirty="0" err="1">
                 <a:latin typeface="배달의민족 주아" pitchFamily="18" charset="-127"/>
                 <a:ea typeface="배달의민족 주아" pitchFamily="18" charset="-127"/>
               </a:rPr>
               <a:t>img</a:t>
             </a:r>
             <a:r>
-              <a:rPr lang="en-US" altLang="ko-KR" dirty="0" smtClean="0">
+              <a:rPr lang="en-US" altLang="ko-KR" dirty="0">
                 <a:latin typeface="배달의민족 주아" pitchFamily="18" charset="-127"/>
                 <a:ea typeface="배달의민족 주아" pitchFamily="18" charset="-127"/>
               </a:rPr>
               <a:t> </a:t>
             </a:r>
             <a:r>
-              <a:rPr lang="en-US" altLang="ko-KR" dirty="0" err="1" smtClean="0">
+              <a:rPr lang="en-US" altLang="ko-KR" dirty="0" err="1">
                 <a:latin typeface="배달의민족 주아" pitchFamily="18" charset="-127"/>
                 <a:ea typeface="배달의민족 주아" pitchFamily="18" charset="-127"/>
               </a:rPr>
               <a:t>src</a:t>
             </a:r>
             <a:r>
-              <a:rPr lang="en-US" altLang="ko-KR" dirty="0" smtClean="0">
+              <a:rPr lang="en-US" altLang="ko-KR" dirty="0">
                 <a:latin typeface="배달의민족 주아" pitchFamily="18" charset="-127"/>
                 <a:ea typeface="배달의민족 주아" pitchFamily="18" charset="-127"/>
               </a:rPr>
               <a:t>=“”</a:t>
             </a:r>
             <a:r>
-              <a:rPr lang="ko-KR" altLang="en-US" dirty="0" smtClean="0">
+              <a:rPr lang="ko-KR" altLang="en-US" dirty="0">
                 <a:latin typeface="배달의민족 주아" pitchFamily="18" charset="-127"/>
                 <a:ea typeface="배달의민족 주아" pitchFamily="18" charset="-127"/>
               </a:rPr>
               <a:t>이미지주소</a:t>
             </a:r>
             <a:r>
-              <a:rPr lang="en-US" altLang="ko-KR" dirty="0" smtClean="0">
+              <a:rPr lang="en-US" altLang="ko-KR" dirty="0">
                 <a:latin typeface="배달의민족 주아" pitchFamily="18" charset="-127"/>
                 <a:ea typeface="배달의민족 주아" pitchFamily="18" charset="-127"/>
               </a:rPr>
               <a:t>”” </a:t>
             </a:r>
             <a:r>
-              <a:rPr lang="en-US" altLang="ko-KR" dirty="0" smtClean="0">
+              <a:rPr lang="en-US" altLang="ko-KR" dirty="0">
                 <a:solidFill>
                   <a:schemeClr val="accent5"/>
                 </a:solidFill>
@@ -6588,21 +6501,21 @@
               <a:t>alt</a:t>
             </a:r>
             <a:r>
-              <a:rPr lang="en-US" altLang="ko-KR" dirty="0" smtClean="0">
+              <a:rPr lang="en-US" altLang="ko-KR" dirty="0">
                 <a:latin typeface="배달의민족 주아" pitchFamily="18" charset="-127"/>
                 <a:ea typeface="배달의민족 주아" pitchFamily="18" charset="-127"/>
               </a:rPr>
               <a:t>=“”</a:t>
             </a:r>
             <a:r>
-              <a:rPr lang="ko-KR" altLang="en-US" dirty="0" smtClean="0">
+              <a:rPr lang="ko-KR" altLang="en-US" dirty="0">
                 <a:latin typeface="배달의민족 주아" pitchFamily="18" charset="-127"/>
                 <a:ea typeface="배달의민족 주아" pitchFamily="18" charset="-127"/>
               </a:rPr>
               <a:t>설명</a:t>
             </a:r>
             <a:r>
-              <a:rPr lang="en-US" altLang="ko-KR" dirty="0" smtClean="0">
+              <a:rPr lang="en-US" altLang="ko-KR" dirty="0">
                 <a:latin typeface="배달의민족 주아" pitchFamily="18" charset="-127"/>
                 <a:ea typeface="배달의민족 주아" pitchFamily="18" charset="-127"/>
               </a:rPr>
@@ -6732,7 +6645,7 @@
           </a:lstStyle>
           <a:p>
             <a:r>
-              <a:rPr lang="en-US" altLang="ko-KR" dirty="0" smtClean="0">
+              <a:rPr lang="en-US" altLang="ko-KR" dirty="0">
                 <a:solidFill>
                   <a:schemeClr val="accent5"/>
                 </a:solidFill>
@@ -6742,14 +6655,14 @@
               <a:t>S</a:t>
             </a:r>
             <a:r>
-              <a:rPr lang="en-US" altLang="ko-KR" dirty="0" smtClean="0">
+              <a:rPr lang="en-US" altLang="ko-KR" dirty="0">
                 <a:latin typeface="배달의민족 도현" pitchFamily="50" charset="-127"/>
                 <a:ea typeface="배달의민족 도현" pitchFamily="50" charset="-127"/>
               </a:rPr>
               <a:t>TART</a:t>
             </a:r>
             <a:r>
-              <a:rPr lang="en-US" altLang="ko-KR" dirty="0" smtClean="0">
+              <a:rPr lang="en-US" altLang="ko-KR" dirty="0">
                 <a:solidFill>
                   <a:schemeClr val="accent5"/>
                 </a:solidFill>
@@ -6759,7 +6672,7 @@
               <a:t>C</a:t>
             </a:r>
             <a:r>
-              <a:rPr lang="en-US" altLang="ko-KR" dirty="0" smtClean="0">
+              <a:rPr lang="en-US" altLang="ko-KR" dirty="0">
                 <a:latin typeface="배달의민족 도현" pitchFamily="50" charset="-127"/>
                 <a:ea typeface="배달의민족 도현" pitchFamily="50" charset="-127"/>
               </a:rPr>
@@ -6782,13 +6695,6 @@
   <p:clrMapOvr>
     <a:masterClrMapping/>
   </p:clrMapOvr>
-  <p:timing>
-    <p:tnLst>
-      <p:par>
-        <p:cTn id="1" dur="indefinite" restart="never" nodeType="tmRoot"/>
-      </p:par>
-    </p:tnLst>
-  </p:timing>
 </p:sld>
 </file>
 
@@ -6825,23 +6731,19 @@
           <a:lstStyle/>
           <a:p>
             <a:r>
-              <a:rPr lang="en-US" altLang="ko-KR" dirty="0" smtClean="0">
+              <a:rPr lang="en-US" altLang="ko-KR" dirty="0">
                 <a:latin typeface="배달의민족 주아" pitchFamily="18" charset="-127"/>
                 <a:ea typeface="배달의민족 주아" pitchFamily="18" charset="-127"/>
               </a:rPr>
               <a:t>audio </a:t>
             </a:r>
             <a:r>
-              <a:rPr lang="ko-KR" altLang="en-US" dirty="0" smtClean="0">
+              <a:rPr lang="ko-KR" altLang="en-US" dirty="0">
                 <a:latin typeface="배달의민족 주아" pitchFamily="18" charset="-127"/>
                 <a:ea typeface="배달의민족 주아" pitchFamily="18" charset="-127"/>
               </a:rPr>
               <a:t>태그</a:t>
             </a:r>
-            <a:endParaRPr lang="ko-KR" altLang="en-US" dirty="0">
-              <a:latin typeface="배달의민족 주아" pitchFamily="18" charset="-127"/>
-              <a:ea typeface="배달의민족 주아" pitchFamily="18" charset="-127"/>
-            </a:endParaRPr>
           </a:p>
         </p:txBody>
       </p:sp>
@@ -6962,7 +6864,7 @@
           </a:lstStyle>
           <a:p>
             <a:r>
-              <a:rPr lang="en-US" altLang="ko-KR" dirty="0" smtClean="0">
+              <a:rPr lang="en-US" altLang="ko-KR" dirty="0">
                 <a:solidFill>
                   <a:schemeClr val="accent5"/>
                 </a:solidFill>
@@ -6972,14 +6874,14 @@
               <a:t>S</a:t>
             </a:r>
             <a:r>
-              <a:rPr lang="en-US" altLang="ko-KR" dirty="0" smtClean="0">
+              <a:rPr lang="en-US" altLang="ko-KR" dirty="0">
                 <a:latin typeface="배달의민족 도현" pitchFamily="50" charset="-127"/>
                 <a:ea typeface="배달의민족 도현" pitchFamily="50" charset="-127"/>
               </a:rPr>
               <a:t>TART</a:t>
             </a:r>
             <a:r>
-              <a:rPr lang="en-US" altLang="ko-KR" dirty="0" smtClean="0">
+              <a:rPr lang="en-US" altLang="ko-KR" dirty="0">
                 <a:solidFill>
                   <a:schemeClr val="accent5"/>
                 </a:solidFill>
@@ -6989,7 +6891,7 @@
               <a:t>C</a:t>
             </a:r>
             <a:r>
-              <a:rPr lang="en-US" altLang="ko-KR" dirty="0" smtClean="0">
+              <a:rPr lang="en-US" altLang="ko-KR" dirty="0">
                 <a:latin typeface="배달의민족 도현" pitchFamily="50" charset="-127"/>
                 <a:ea typeface="배달의민족 도현" pitchFamily="50" charset="-127"/>
               </a:rPr>
@@ -7012,13 +6914,6 @@
   <p:clrMapOvr>
     <a:masterClrMapping/>
   </p:clrMapOvr>
-  <p:timing>
-    <p:tnLst>
-      <p:par>
-        <p:cTn id="1" dur="indefinite" restart="never" nodeType="tmRoot"/>
-      </p:par>
-    </p:tnLst>
-  </p:timing>
 </p:sld>
 </file>
 
@@ -7055,42 +6950,42 @@
           <a:lstStyle/>
           <a:p>
             <a:r>
-              <a:rPr lang="en-US" altLang="ko-KR" dirty="0" smtClean="0">
+              <a:rPr lang="en-US" altLang="ko-KR" dirty="0">
                 <a:latin typeface="배달의민족 주아" pitchFamily="18" charset="-127"/>
                 <a:ea typeface="배달의민족 주아" pitchFamily="18" charset="-127"/>
               </a:rPr>
               <a:t>&lt;audio </a:t>
             </a:r>
             <a:r>
-              <a:rPr lang="en-US" altLang="ko-KR" dirty="0" err="1" smtClean="0">
+              <a:rPr lang="en-US" altLang="ko-KR" dirty="0" err="1">
                 <a:latin typeface="배달의민족 주아" pitchFamily="18" charset="-127"/>
                 <a:ea typeface="배달의민족 주아" pitchFamily="18" charset="-127"/>
               </a:rPr>
               <a:t>src</a:t>
             </a:r>
             <a:r>
-              <a:rPr lang="en-US" altLang="ko-KR" dirty="0" smtClean="0">
+              <a:rPr lang="en-US" altLang="ko-KR" dirty="0">
                 <a:latin typeface="배달의민족 주아" pitchFamily="18" charset="-127"/>
                 <a:ea typeface="배달의민족 주아" pitchFamily="18" charset="-127"/>
               </a:rPr>
               <a:t>=“”</a:t>
             </a:r>
             <a:r>
-              <a:rPr lang="ko-KR" altLang="en-US" dirty="0" smtClean="0">
+              <a:rPr lang="ko-KR" altLang="en-US" dirty="0">
                 <a:latin typeface="배달의민족 주아" pitchFamily="18" charset="-127"/>
                 <a:ea typeface="배달의민족 주아" pitchFamily="18" charset="-127"/>
               </a:rPr>
               <a:t>오디오주소</a:t>
             </a:r>
             <a:r>
-              <a:rPr lang="en-US" altLang="ko-KR" dirty="0" smtClean="0">
+              <a:rPr lang="en-US" altLang="ko-KR" dirty="0">
                 <a:latin typeface="배달의민족 주아" pitchFamily="18" charset="-127"/>
                 <a:ea typeface="배달의민족 주아" pitchFamily="18" charset="-127"/>
               </a:rPr>
               <a:t>”” </a:t>
             </a:r>
             <a:r>
-              <a:rPr lang="en-US" altLang="ko-KR" dirty="0" smtClean="0">
+              <a:rPr lang="en-US" altLang="ko-KR" dirty="0">
                 <a:solidFill>
                   <a:schemeClr val="accent5"/>
                 </a:solidFill>
@@ -7100,7 +6995,7 @@
               <a:t>controls</a:t>
             </a:r>
             <a:r>
-              <a:rPr lang="en-US" altLang="ko-KR" dirty="0" smtClean="0">
+              <a:rPr lang="en-US" altLang="ko-KR" dirty="0">
                 <a:latin typeface="배달의민족 주아" pitchFamily="18" charset="-127"/>
                 <a:ea typeface="배달의민족 주아" pitchFamily="18" charset="-127"/>
               </a:rPr>
@@ -7152,7 +7047,7 @@
           </a:lstStyle>
           <a:p>
             <a:r>
-              <a:rPr lang="ko-KR" altLang="en-US" sz="3600" dirty="0" smtClean="0">
+              <a:rPr lang="ko-KR" altLang="en-US" sz="3600" dirty="0">
                 <a:solidFill>
                   <a:schemeClr val="accent5"/>
                 </a:solidFill>
@@ -7162,13 +7057,13 @@
               <a:t>오디오파일</a:t>
             </a:r>
             <a:r>
-              <a:rPr lang="ko-KR" altLang="en-US" sz="3600" dirty="0" smtClean="0">
+              <a:rPr lang="ko-KR" altLang="en-US" sz="3600" dirty="0">
                 <a:latin typeface="배달의민족 주아" pitchFamily="18" charset="-127"/>
                 <a:ea typeface="배달의민족 주아" pitchFamily="18" charset="-127"/>
               </a:rPr>
               <a:t>을 추가할 때 사용</a:t>
             </a:r>
-            <a:endParaRPr lang="en-US" altLang="ko-KR" sz="3600" dirty="0" smtClean="0">
+            <a:endParaRPr lang="en-US" altLang="ko-KR" sz="3600" dirty="0">
               <a:latin typeface="배달의민족 주아" pitchFamily="18" charset="-127"/>
               <a:ea typeface="배달의민족 주아" pitchFamily="18" charset="-127"/>
             </a:endParaRPr>
@@ -7292,7 +7187,7 @@
           </a:lstStyle>
           <a:p>
             <a:r>
-              <a:rPr lang="en-US" altLang="ko-KR" dirty="0" smtClean="0">
+              <a:rPr lang="en-US" altLang="ko-KR" dirty="0">
                 <a:solidFill>
                   <a:schemeClr val="accent5"/>
                 </a:solidFill>
@@ -7302,14 +7197,14 @@
               <a:t>S</a:t>
             </a:r>
             <a:r>
-              <a:rPr lang="en-US" altLang="ko-KR" dirty="0" smtClean="0">
+              <a:rPr lang="en-US" altLang="ko-KR" dirty="0">
                 <a:latin typeface="배달의민족 도현" pitchFamily="50" charset="-127"/>
                 <a:ea typeface="배달의민족 도현" pitchFamily="50" charset="-127"/>
               </a:rPr>
               <a:t>TART</a:t>
             </a:r>
             <a:r>
-              <a:rPr lang="en-US" altLang="ko-KR" dirty="0" smtClean="0">
+              <a:rPr lang="en-US" altLang="ko-KR" dirty="0">
                 <a:solidFill>
                   <a:schemeClr val="accent5"/>
                 </a:solidFill>
@@ -7319,7 +7214,7 @@
               <a:t>C</a:t>
             </a:r>
             <a:r>
-              <a:rPr lang="en-US" altLang="ko-KR" dirty="0" smtClean="0">
+              <a:rPr lang="en-US" altLang="ko-KR" dirty="0">
                 <a:latin typeface="배달의민족 도현" pitchFamily="50" charset="-127"/>
                 <a:ea typeface="배달의민족 도현" pitchFamily="50" charset="-127"/>
               </a:rPr>
@@ -7464,23 +7359,19 @@
           <a:lstStyle/>
           <a:p>
             <a:r>
-              <a:rPr lang="en-US" altLang="ko-KR" dirty="0" smtClean="0">
+              <a:rPr lang="en-US" altLang="ko-KR" dirty="0">
                 <a:latin typeface="배달의민족 주아" pitchFamily="18" charset="-127"/>
                 <a:ea typeface="배달의민족 주아" pitchFamily="18" charset="-127"/>
               </a:rPr>
               <a:t>video </a:t>
             </a:r>
             <a:r>
-              <a:rPr lang="ko-KR" altLang="en-US" dirty="0" smtClean="0">
+              <a:rPr lang="ko-KR" altLang="en-US" dirty="0">
                 <a:latin typeface="배달의민족 주아" pitchFamily="18" charset="-127"/>
                 <a:ea typeface="배달의민족 주아" pitchFamily="18" charset="-127"/>
               </a:rPr>
               <a:t>태그</a:t>
             </a:r>
-            <a:endParaRPr lang="ko-KR" altLang="en-US" dirty="0">
-              <a:latin typeface="배달의민족 주아" pitchFamily="18" charset="-127"/>
-              <a:ea typeface="배달의민족 주아" pitchFamily="18" charset="-127"/>
-            </a:endParaRPr>
           </a:p>
         </p:txBody>
       </p:sp>
@@ -7601,7 +7492,7 @@
           </a:lstStyle>
           <a:p>
             <a:r>
-              <a:rPr lang="en-US" altLang="ko-KR" dirty="0" smtClean="0">
+              <a:rPr lang="en-US" altLang="ko-KR" dirty="0">
                 <a:solidFill>
                   <a:schemeClr val="accent5"/>
                 </a:solidFill>
@@ -7611,14 +7502,14 @@
               <a:t>S</a:t>
             </a:r>
             <a:r>
-              <a:rPr lang="en-US" altLang="ko-KR" dirty="0" smtClean="0">
+              <a:rPr lang="en-US" altLang="ko-KR" dirty="0">
                 <a:latin typeface="배달의민족 도현" pitchFamily="50" charset="-127"/>
                 <a:ea typeface="배달의민족 도현" pitchFamily="50" charset="-127"/>
               </a:rPr>
               <a:t>TART</a:t>
             </a:r>
             <a:r>
-              <a:rPr lang="en-US" altLang="ko-KR" dirty="0" smtClean="0">
+              <a:rPr lang="en-US" altLang="ko-KR" dirty="0">
                 <a:solidFill>
                   <a:schemeClr val="accent5"/>
                 </a:solidFill>
@@ -7628,7 +7519,7 @@
               <a:t>C</a:t>
             </a:r>
             <a:r>
-              <a:rPr lang="en-US" altLang="ko-KR" dirty="0" smtClean="0">
+              <a:rPr lang="en-US" altLang="ko-KR" dirty="0">
                 <a:latin typeface="배달의민족 도현" pitchFamily="50" charset="-127"/>
                 <a:ea typeface="배달의민족 도현" pitchFamily="50" charset="-127"/>
               </a:rPr>
@@ -7651,13 +7542,6 @@
   <p:clrMapOvr>
     <a:masterClrMapping/>
   </p:clrMapOvr>
-  <p:timing>
-    <p:tnLst>
-      <p:par>
-        <p:cTn id="1" dur="indefinite" restart="never" nodeType="tmRoot"/>
-      </p:par>
-    </p:tnLst>
-  </p:timing>
 </p:sld>
 </file>
 
@@ -7694,21 +7578,21 @@
           <a:lstStyle/>
           <a:p>
             <a:r>
-              <a:rPr lang="en-US" altLang="ko-KR" dirty="0" smtClean="0">
+              <a:rPr lang="en-US" altLang="ko-KR" dirty="0">
                 <a:latin typeface="배달의민족 주아" pitchFamily="18" charset="-127"/>
                 <a:ea typeface="배달의민족 주아" pitchFamily="18" charset="-127"/>
               </a:rPr>
               <a:t>&lt;video </a:t>
             </a:r>
             <a:r>
-              <a:rPr lang="en-US" altLang="ko-KR" dirty="0" err="1" smtClean="0">
+              <a:rPr lang="en-US" altLang="ko-KR" dirty="0" err="1">
                 <a:latin typeface="배달의민족 주아" pitchFamily="18" charset="-127"/>
                 <a:ea typeface="배달의민족 주아" pitchFamily="18" charset="-127"/>
               </a:rPr>
               <a:t>src</a:t>
             </a:r>
             <a:r>
-              <a:rPr lang="en-US" altLang="ko-KR" dirty="0" smtClean="0">
+              <a:rPr lang="en-US" altLang="ko-KR" dirty="0">
                 <a:latin typeface="배달의민족 주아" pitchFamily="18" charset="-127"/>
                 <a:ea typeface="배달의민족 주아" pitchFamily="18" charset="-127"/>
               </a:rPr>
@@ -7719,34 +7603,27 @@
                 <a:latin typeface="배달의민족 주아" pitchFamily="18" charset="-127"/>
                 <a:ea typeface="배달의민족 주아" pitchFamily="18" charset="-127"/>
               </a:rPr>
-              <a:t>비</a:t>
-            </a:r>
-            <a:r>
-              <a:rPr lang="ko-KR" altLang="en-US" dirty="0" smtClean="0">
+              <a:t>비디오주소</a:t>
+            </a:r>
+            <a:r>
+              <a:rPr lang="en-US" altLang="ko-KR" dirty="0">
                 <a:latin typeface="배달의민족 주아" pitchFamily="18" charset="-127"/>
                 <a:ea typeface="배달의민족 주아" pitchFamily="18" charset="-127"/>
               </a:rPr>
-              <a:t>디오주소</a:t>
-            </a:r>
-            <a:r>
-              <a:rPr lang="en-US" altLang="ko-KR" dirty="0" smtClean="0">
+              <a:t>”” </a:t>
+            </a:r>
+            <a:r>
+              <a:rPr lang="en-US" altLang="ko-KR" dirty="0">
+                <a:solidFill>
+                  <a:schemeClr val="accent5"/>
+                </a:solidFill>
                 <a:latin typeface="배달의민족 주아" pitchFamily="18" charset="-127"/>
                 <a:ea typeface="배달의민족 주아" pitchFamily="18" charset="-127"/>
               </a:rPr>
-              <a:t>”” </a:t>
-            </a:r>
-            <a:r>
-              <a:rPr lang="en-US" altLang="ko-KR" dirty="0" smtClean="0">
-                <a:solidFill>
-                  <a:schemeClr val="accent5"/>
-                </a:solidFill>
-                <a:latin typeface="배달의민족 주아" pitchFamily="18" charset="-127"/>
-                <a:ea typeface="배달의민족 주아" pitchFamily="18" charset="-127"/>
-              </a:rPr>
               <a:t>controls</a:t>
             </a:r>
             <a:r>
-              <a:rPr lang="en-US" altLang="ko-KR" smtClean="0">
+              <a:rPr lang="en-US" altLang="ko-KR">
                 <a:latin typeface="배달의민족 주아" pitchFamily="18" charset="-127"/>
                 <a:ea typeface="배달의민족 주아" pitchFamily="18" charset="-127"/>
               </a:rPr>
@@ -7798,7 +7675,7 @@
           </a:lstStyle>
           <a:p>
             <a:r>
-              <a:rPr lang="ko-KR" altLang="en-US" sz="3600" dirty="0" smtClean="0">
+              <a:rPr lang="ko-KR" altLang="en-US" sz="3600" dirty="0">
                 <a:solidFill>
                   <a:schemeClr val="accent5"/>
                 </a:solidFill>
@@ -7808,13 +7685,13 @@
               <a:t>비디오파일</a:t>
             </a:r>
             <a:r>
-              <a:rPr lang="ko-KR" altLang="en-US" sz="3600" dirty="0" smtClean="0">
+              <a:rPr lang="ko-KR" altLang="en-US" sz="3600" dirty="0">
                 <a:latin typeface="배달의민족 주아" pitchFamily="18" charset="-127"/>
                 <a:ea typeface="배달의민족 주아" pitchFamily="18" charset="-127"/>
               </a:rPr>
               <a:t>을 추가할 때 사용</a:t>
             </a:r>
-            <a:endParaRPr lang="en-US" altLang="ko-KR" sz="3600" dirty="0" smtClean="0">
+            <a:endParaRPr lang="en-US" altLang="ko-KR" sz="3600" dirty="0">
               <a:latin typeface="배달의민족 주아" pitchFamily="18" charset="-127"/>
               <a:ea typeface="배달의민족 주아" pitchFamily="18" charset="-127"/>
             </a:endParaRPr>
@@ -7938,7 +7815,7 @@
           </a:lstStyle>
           <a:p>
             <a:r>
-              <a:rPr lang="en-US" altLang="ko-KR" dirty="0" smtClean="0">
+              <a:rPr lang="en-US" altLang="ko-KR" dirty="0">
                 <a:solidFill>
                   <a:schemeClr val="accent5"/>
                 </a:solidFill>
@@ -7948,14 +7825,14 @@
               <a:t>S</a:t>
             </a:r>
             <a:r>
-              <a:rPr lang="en-US" altLang="ko-KR" dirty="0" smtClean="0">
+              <a:rPr lang="en-US" altLang="ko-KR" dirty="0">
                 <a:latin typeface="배달의민족 도현" pitchFamily="50" charset="-127"/>
                 <a:ea typeface="배달의민족 도현" pitchFamily="50" charset="-127"/>
               </a:rPr>
               <a:t>TART</a:t>
             </a:r>
             <a:r>
-              <a:rPr lang="en-US" altLang="ko-KR" dirty="0" smtClean="0">
+              <a:rPr lang="en-US" altLang="ko-KR" dirty="0">
                 <a:solidFill>
                   <a:schemeClr val="accent5"/>
                 </a:solidFill>
@@ -7965,7 +7842,7 @@
               <a:t>C</a:t>
             </a:r>
             <a:r>
-              <a:rPr lang="en-US" altLang="ko-KR" dirty="0" smtClean="0">
+              <a:rPr lang="en-US" altLang="ko-KR" dirty="0">
                 <a:latin typeface="배달의민족 도현" pitchFamily="50" charset="-127"/>
                 <a:ea typeface="배달의민족 도현" pitchFamily="50" charset="-127"/>
               </a:rPr>
@@ -8110,30 +7987,26 @@
           <a:lstStyle/>
           <a:p>
             <a:r>
-              <a:rPr lang="en-US" altLang="ko-KR" dirty="0" err="1" smtClean="0">
+              <a:rPr lang="en-US" altLang="ko-KR" dirty="0" err="1">
                 <a:latin typeface="배달의민족 주아" pitchFamily="18" charset="-127"/>
                 <a:ea typeface="배달의민족 주아" pitchFamily="18" charset="-127"/>
               </a:rPr>
               <a:t>iframe</a:t>
             </a:r>
             <a:r>
-              <a:rPr lang="en-US" altLang="ko-KR" dirty="0" smtClean="0">
+              <a:rPr lang="en-US" altLang="ko-KR" dirty="0">
                 <a:latin typeface="배달의민족 주아" pitchFamily="18" charset="-127"/>
                 <a:ea typeface="배달의민족 주아" pitchFamily="18" charset="-127"/>
               </a:rPr>
               <a:t> </a:t>
             </a:r>
             <a:r>
-              <a:rPr lang="ko-KR" altLang="en-US" dirty="0" smtClean="0">
+              <a:rPr lang="ko-KR" altLang="en-US" dirty="0">
                 <a:latin typeface="배달의민족 주아" pitchFamily="18" charset="-127"/>
                 <a:ea typeface="배달의민족 주아" pitchFamily="18" charset="-127"/>
               </a:rPr>
               <a:t>태그</a:t>
             </a:r>
-            <a:endParaRPr lang="ko-KR" altLang="en-US" dirty="0">
-              <a:latin typeface="배달의민족 주아" pitchFamily="18" charset="-127"/>
-              <a:ea typeface="배달의민족 주아" pitchFamily="18" charset="-127"/>
-            </a:endParaRPr>
           </a:p>
         </p:txBody>
       </p:sp>
@@ -8254,7 +8127,7 @@
           </a:lstStyle>
           <a:p>
             <a:r>
-              <a:rPr lang="en-US" altLang="ko-KR" dirty="0" smtClean="0">
+              <a:rPr lang="en-US" altLang="ko-KR" dirty="0">
                 <a:solidFill>
                   <a:schemeClr val="accent5"/>
                 </a:solidFill>
@@ -8264,14 +8137,14 @@
               <a:t>S</a:t>
             </a:r>
             <a:r>
-              <a:rPr lang="en-US" altLang="ko-KR" dirty="0" smtClean="0">
+              <a:rPr lang="en-US" altLang="ko-KR" dirty="0">
                 <a:latin typeface="배달의민족 도현" pitchFamily="50" charset="-127"/>
                 <a:ea typeface="배달의민족 도현" pitchFamily="50" charset="-127"/>
               </a:rPr>
               <a:t>TART</a:t>
             </a:r>
             <a:r>
-              <a:rPr lang="en-US" altLang="ko-KR" dirty="0" smtClean="0">
+              <a:rPr lang="en-US" altLang="ko-KR" dirty="0">
                 <a:solidFill>
                   <a:schemeClr val="accent5"/>
                 </a:solidFill>
@@ -8281,7 +8154,7 @@
               <a:t>C</a:t>
             </a:r>
             <a:r>
-              <a:rPr lang="en-US" altLang="ko-KR" dirty="0" smtClean="0">
+              <a:rPr lang="en-US" altLang="ko-KR" dirty="0">
                 <a:latin typeface="배달의민족 도현" pitchFamily="50" charset="-127"/>
                 <a:ea typeface="배달의민족 도현" pitchFamily="50" charset="-127"/>
               </a:rPr>
@@ -8304,13 +8177,6 @@
   <p:clrMapOvr>
     <a:masterClrMapping/>
   </p:clrMapOvr>
-  <p:timing>
-    <p:tnLst>
-      <p:par>
-        <p:cTn id="1" dur="indefinite" restart="never" nodeType="tmRoot"/>
-      </p:par>
-    </p:tnLst>
-  </p:timing>
 </p:sld>
 </file>
 
